--- a/docs/ai-capability-buildwise-showcase.pptx
+++ b/docs/ai-capability-buildwise-showcase.pptx
@@ -16,13 +16,9 @@
     <p:sldId id="264" r:id="rId10"/>
     <p:sldId id="265" r:id="rId11"/>
     <p:sldId id="266" r:id="rId12"/>
-    <p:sldId id="267" r:id="rId13"/>
-    <p:sldId id="268" r:id="rId14"/>
-    <p:sldId id="269" r:id="rId15"/>
-    <p:sldId id="270" r:id="rId16"/>
   </p:sldIdLst>
   <p:notesMasterIdLst>
-    <p:notesMasterId r:id="rId17"/>
+    <p:notesMasterId r:id="rId13"/>
   </p:notesMasterIdLst>
   <p:sldSz cx="9144000" cy="5143500"/>
   <p:notesSz cx="5143500" cy="9144000"/>
@@ -716,358 +712,6 @@
             <a:fld id="{F7021451-1387-4CA6-816F-3879F97B5CBC}" type="slidenum">
               <a:rPr lang="en-US"/>
               <a:t>11</a:t>
-            </a:fld>
-            <a:endParaRPr lang="en-US"/>
-          </a:p>
-        </p:txBody>
-      </p:sp>
-    </p:spTree>
-    <p:extLst>
-      <p:ext uri="{BB962C8B-B14F-4D97-AF65-F5344CB8AC3E}">
-        <p14:creationId xmlns:p14="http://schemas.microsoft.com/office/powerpoint/2010/main" val="1024086991"/>
-      </p:ext>
-    </p:extLst>
-  </p:cSld>
-  <p:clrMapOvr>
-    <a:masterClrMapping/>
-  </p:clrMapOvr>
-</p:notes>
-</file>
-
-<file path=ppt/notesSlides/notesSlide12.xml><?xml version="1.0" encoding="utf-8"?>
-<p:notes xmlns:a="http://schemas.openxmlformats.org/drawingml/2006/main" xmlns:r="http://schemas.openxmlformats.org/officeDocument/2006/relationships" xmlns:p="http://schemas.openxmlformats.org/presentationml/2006/main">
-  <p:cSld>
-    <p:spTree>
-      <p:nvGrpSpPr>
-        <p:cNvPr id="1" name=""/>
-        <p:cNvGrpSpPr/>
-        <p:nvPr/>
-      </p:nvGrpSpPr>
-      <p:grpSpPr>
-        <a:xfrm>
-          <a:off x="0" y="0"/>
-          <a:ext cx="0" cy="0"/>
-          <a:chOff x="0" y="0"/>
-          <a:chExt cx="0" cy="0"/>
-        </a:xfrm>
-      </p:grpSpPr>
-      <p:sp>
-        <p:nvSpPr>
-          <p:cNvPr id="2" name="Slide Image Placeholder 1"/>
-          <p:cNvSpPr>
-            <a:spLocks noGrp="1" noRot="1" noChangeAspect="1"/>
-          </p:cNvSpPr>
-          <p:nvPr>
-            <p:ph type="sldImg"/>
-          </p:nvPr>
-        </p:nvSpPr>
-        <p:spPr/>
-      </p:sp>
-      <p:sp>
-        <p:nvSpPr>
-          <p:cNvPr id="3" name="Notes Placeholder 2"/>
-          <p:cNvSpPr>
-            <a:spLocks noGrp="1"/>
-          </p:cNvSpPr>
-          <p:nvPr>
-            <p:ph type="body" idx="1"/>
-          </p:nvPr>
-        </p:nvSpPr>
-        <p:spPr/>
-        <p:txBody>
-          <a:bodyPr/>
-          <a:lstStyle/>
-          <a:p>
-            <a:r>
-              <a:rPr lang="en-US" dirty="0"/>
-              <a:t/>
-            </a:r>
-            <a:endParaRPr lang="en-US" dirty="0"/>
-          </a:p>
-        </p:txBody>
-      </p:sp>
-      <p:sp>
-        <p:nvSpPr>
-          <p:cNvPr id="4" name="Slide Number Placeholder 3"/>
-          <p:cNvSpPr>
-            <a:spLocks noGrp="1"/>
-          </p:cNvSpPr>
-          <p:nvPr>
-            <p:ph type="sldNum" sz="quarter" idx="10"/>
-          </p:nvPr>
-        </p:nvSpPr>
-        <p:spPr/>
-        <p:txBody>
-          <a:bodyPr/>
-          <a:lstStyle/>
-          <a:p>
-            <a:fld id="{F7021451-1387-4CA6-816F-3879F97B5CBC}" type="slidenum">
-              <a:rPr lang="en-US"/>
-              <a:t>12</a:t>
-            </a:fld>
-            <a:endParaRPr lang="en-US"/>
-          </a:p>
-        </p:txBody>
-      </p:sp>
-    </p:spTree>
-    <p:extLst>
-      <p:ext uri="{BB962C8B-B14F-4D97-AF65-F5344CB8AC3E}">
-        <p14:creationId xmlns:p14="http://schemas.microsoft.com/office/powerpoint/2010/main" val="1024086991"/>
-      </p:ext>
-    </p:extLst>
-  </p:cSld>
-  <p:clrMapOvr>
-    <a:masterClrMapping/>
-  </p:clrMapOvr>
-</p:notes>
-</file>
-
-<file path=ppt/notesSlides/notesSlide13.xml><?xml version="1.0" encoding="utf-8"?>
-<p:notes xmlns:a="http://schemas.openxmlformats.org/drawingml/2006/main" xmlns:r="http://schemas.openxmlformats.org/officeDocument/2006/relationships" xmlns:p="http://schemas.openxmlformats.org/presentationml/2006/main">
-  <p:cSld>
-    <p:spTree>
-      <p:nvGrpSpPr>
-        <p:cNvPr id="1" name=""/>
-        <p:cNvGrpSpPr/>
-        <p:nvPr/>
-      </p:nvGrpSpPr>
-      <p:grpSpPr>
-        <a:xfrm>
-          <a:off x="0" y="0"/>
-          <a:ext cx="0" cy="0"/>
-          <a:chOff x="0" y="0"/>
-          <a:chExt cx="0" cy="0"/>
-        </a:xfrm>
-      </p:grpSpPr>
-      <p:sp>
-        <p:nvSpPr>
-          <p:cNvPr id="2" name="Slide Image Placeholder 1"/>
-          <p:cNvSpPr>
-            <a:spLocks noGrp="1" noRot="1" noChangeAspect="1"/>
-          </p:cNvSpPr>
-          <p:nvPr>
-            <p:ph type="sldImg"/>
-          </p:nvPr>
-        </p:nvSpPr>
-        <p:spPr/>
-      </p:sp>
-      <p:sp>
-        <p:nvSpPr>
-          <p:cNvPr id="3" name="Notes Placeholder 2"/>
-          <p:cNvSpPr>
-            <a:spLocks noGrp="1"/>
-          </p:cNvSpPr>
-          <p:nvPr>
-            <p:ph type="body" idx="1"/>
-          </p:nvPr>
-        </p:nvSpPr>
-        <p:spPr/>
-        <p:txBody>
-          <a:bodyPr/>
-          <a:lstStyle/>
-          <a:p>
-            <a:r>
-              <a:rPr lang="en-US" dirty="0"/>
-              <a:t/>
-            </a:r>
-            <a:endParaRPr lang="en-US" dirty="0"/>
-          </a:p>
-        </p:txBody>
-      </p:sp>
-      <p:sp>
-        <p:nvSpPr>
-          <p:cNvPr id="4" name="Slide Number Placeholder 3"/>
-          <p:cNvSpPr>
-            <a:spLocks noGrp="1"/>
-          </p:cNvSpPr>
-          <p:nvPr>
-            <p:ph type="sldNum" sz="quarter" idx="10"/>
-          </p:nvPr>
-        </p:nvSpPr>
-        <p:spPr/>
-        <p:txBody>
-          <a:bodyPr/>
-          <a:lstStyle/>
-          <a:p>
-            <a:fld id="{F7021451-1387-4CA6-816F-3879F97B5CBC}" type="slidenum">
-              <a:rPr lang="en-US"/>
-              <a:t>13</a:t>
-            </a:fld>
-            <a:endParaRPr lang="en-US"/>
-          </a:p>
-        </p:txBody>
-      </p:sp>
-    </p:spTree>
-    <p:extLst>
-      <p:ext uri="{BB962C8B-B14F-4D97-AF65-F5344CB8AC3E}">
-        <p14:creationId xmlns:p14="http://schemas.microsoft.com/office/powerpoint/2010/main" val="1024086991"/>
-      </p:ext>
-    </p:extLst>
-  </p:cSld>
-  <p:clrMapOvr>
-    <a:masterClrMapping/>
-  </p:clrMapOvr>
-</p:notes>
-</file>
-
-<file path=ppt/notesSlides/notesSlide14.xml><?xml version="1.0" encoding="utf-8"?>
-<p:notes xmlns:a="http://schemas.openxmlformats.org/drawingml/2006/main" xmlns:r="http://schemas.openxmlformats.org/officeDocument/2006/relationships" xmlns:p="http://schemas.openxmlformats.org/presentationml/2006/main">
-  <p:cSld>
-    <p:spTree>
-      <p:nvGrpSpPr>
-        <p:cNvPr id="1" name=""/>
-        <p:cNvGrpSpPr/>
-        <p:nvPr/>
-      </p:nvGrpSpPr>
-      <p:grpSpPr>
-        <a:xfrm>
-          <a:off x="0" y="0"/>
-          <a:ext cx="0" cy="0"/>
-          <a:chOff x="0" y="0"/>
-          <a:chExt cx="0" cy="0"/>
-        </a:xfrm>
-      </p:grpSpPr>
-      <p:sp>
-        <p:nvSpPr>
-          <p:cNvPr id="2" name="Slide Image Placeholder 1"/>
-          <p:cNvSpPr>
-            <a:spLocks noGrp="1" noRot="1" noChangeAspect="1"/>
-          </p:cNvSpPr>
-          <p:nvPr>
-            <p:ph type="sldImg"/>
-          </p:nvPr>
-        </p:nvSpPr>
-        <p:spPr/>
-      </p:sp>
-      <p:sp>
-        <p:nvSpPr>
-          <p:cNvPr id="3" name="Notes Placeholder 2"/>
-          <p:cNvSpPr>
-            <a:spLocks noGrp="1"/>
-          </p:cNvSpPr>
-          <p:nvPr>
-            <p:ph type="body" idx="1"/>
-          </p:nvPr>
-        </p:nvSpPr>
-        <p:spPr/>
-        <p:txBody>
-          <a:bodyPr/>
-          <a:lstStyle/>
-          <a:p>
-            <a:r>
-              <a:rPr lang="en-US" dirty="0"/>
-              <a:t/>
-            </a:r>
-            <a:endParaRPr lang="en-US" dirty="0"/>
-          </a:p>
-        </p:txBody>
-      </p:sp>
-      <p:sp>
-        <p:nvSpPr>
-          <p:cNvPr id="4" name="Slide Number Placeholder 3"/>
-          <p:cNvSpPr>
-            <a:spLocks noGrp="1"/>
-          </p:cNvSpPr>
-          <p:nvPr>
-            <p:ph type="sldNum" sz="quarter" idx="10"/>
-          </p:nvPr>
-        </p:nvSpPr>
-        <p:spPr/>
-        <p:txBody>
-          <a:bodyPr/>
-          <a:lstStyle/>
-          <a:p>
-            <a:fld id="{F7021451-1387-4CA6-816F-3879F97B5CBC}" type="slidenum">
-              <a:rPr lang="en-US"/>
-              <a:t>14</a:t>
-            </a:fld>
-            <a:endParaRPr lang="en-US"/>
-          </a:p>
-        </p:txBody>
-      </p:sp>
-    </p:spTree>
-    <p:extLst>
-      <p:ext uri="{BB962C8B-B14F-4D97-AF65-F5344CB8AC3E}">
-        <p14:creationId xmlns:p14="http://schemas.microsoft.com/office/powerpoint/2010/main" val="1024086991"/>
-      </p:ext>
-    </p:extLst>
-  </p:cSld>
-  <p:clrMapOvr>
-    <a:masterClrMapping/>
-  </p:clrMapOvr>
-</p:notes>
-</file>
-
-<file path=ppt/notesSlides/notesSlide15.xml><?xml version="1.0" encoding="utf-8"?>
-<p:notes xmlns:a="http://schemas.openxmlformats.org/drawingml/2006/main" xmlns:r="http://schemas.openxmlformats.org/officeDocument/2006/relationships" xmlns:p="http://schemas.openxmlformats.org/presentationml/2006/main">
-  <p:cSld>
-    <p:spTree>
-      <p:nvGrpSpPr>
-        <p:cNvPr id="1" name=""/>
-        <p:cNvGrpSpPr/>
-        <p:nvPr/>
-      </p:nvGrpSpPr>
-      <p:grpSpPr>
-        <a:xfrm>
-          <a:off x="0" y="0"/>
-          <a:ext cx="0" cy="0"/>
-          <a:chOff x="0" y="0"/>
-          <a:chExt cx="0" cy="0"/>
-        </a:xfrm>
-      </p:grpSpPr>
-      <p:sp>
-        <p:nvSpPr>
-          <p:cNvPr id="2" name="Slide Image Placeholder 1"/>
-          <p:cNvSpPr>
-            <a:spLocks noGrp="1" noRot="1" noChangeAspect="1"/>
-          </p:cNvSpPr>
-          <p:nvPr>
-            <p:ph type="sldImg"/>
-          </p:nvPr>
-        </p:nvSpPr>
-        <p:spPr/>
-      </p:sp>
-      <p:sp>
-        <p:nvSpPr>
-          <p:cNvPr id="3" name="Notes Placeholder 2"/>
-          <p:cNvSpPr>
-            <a:spLocks noGrp="1"/>
-          </p:cNvSpPr>
-          <p:nvPr>
-            <p:ph type="body" idx="1"/>
-          </p:nvPr>
-        </p:nvSpPr>
-        <p:spPr/>
-        <p:txBody>
-          <a:bodyPr/>
-          <a:lstStyle/>
-          <a:p>
-            <a:r>
-              <a:rPr lang="en-US" dirty="0"/>
-              <a:t/>
-            </a:r>
-            <a:endParaRPr lang="en-US" dirty="0"/>
-          </a:p>
-        </p:txBody>
-      </p:sp>
-      <p:sp>
-        <p:nvSpPr>
-          <p:cNvPr id="4" name="Slide Number Placeholder 3"/>
-          <p:cNvSpPr>
-            <a:spLocks noGrp="1"/>
-          </p:cNvSpPr>
-          <p:nvPr>
-            <p:ph type="sldNum" sz="quarter" idx="10"/>
-          </p:nvPr>
-        </p:nvSpPr>
-        <p:spPr/>
-        <p:txBody>
-          <a:bodyPr/>
-          <a:lstStyle/>
-          <a:p>
-            <a:fld id="{F7021451-1387-4CA6-816F-3879F97B5CBC}" type="slidenum">
-              <a:rPr lang="en-US"/>
-              <a:t>15</a:t>
             </a:fld>
             <a:endParaRPr lang="en-US"/>
           </a:p>
@@ -2144,7 +1788,7 @@
                   <a:srgbClr val="000000"/>
                 </a:solidFill>
               </a:rPr>
-              <a:t>1) AI Capability Overview — Our Team</a:t>
+              <a:t>BuildWise — AI-Enabled Construction Planning &amp; Decision Assistant</a:t>
             </a:r>
             <a:endParaRPr lang="en-US" sz="3600" dirty="0"/>
           </a:p>
@@ -2205,7 +1849,7 @@
                   <a:srgbClr val="000000"/>
                 </a:solidFill>
               </a:rPr>
-              <a:t>10) Budget and Trade Financials</a:t>
+              <a:t>4) Timeline Replay &amp; Historical Insight</a:t>
             </a:r>
             <a:endParaRPr lang="en-US" sz="2800" dirty="0"/>
           </a:p>
@@ -2245,49 +1889,133 @@
                   <a:srgbClr val="000000"/>
                 </a:solidFill>
               </a:rPr>
-              <a:t>Per-trade planned cost range (from planning) vs. actual price; bids/contracts/invoices tracking.</a:t>
-            </a:r>
-            <a:pPr indent="0" marL="0">
-              <a:lnSpc>
-                <a:spcPct val="110000"/>
-              </a:lnSpc>
-              <a:buNone/>
-            </a:pPr>
-            <a:r>
-              <a:rPr lang="en-US" sz="1800" dirty="0">
-                <a:solidFill>
-                  <a:srgbClr val="000000"/>
-                </a:solidFill>
-              </a:rPr>
-              <a:t>Dedicated Budget page: bid comparison (PDFs), contracts upload, invoice management, payment status.</a:t>
-            </a:r>
-            <a:pPr indent="0" marL="0">
-              <a:lnSpc>
-                <a:spcPct val="110000"/>
-              </a:lnSpc>
-              <a:buNone/>
-            </a:pPr>
-            <a:r>
-              <a:rPr lang="en-US" sz="1800" dirty="0">
-                <a:solidFill>
-                  <a:srgbClr val="000000"/>
-                </a:solidFill>
-              </a:rPr>
-              <a:t>Trade detail “3-step” header: Planning → Budget → Execution navigation.</a:t>
-            </a:r>
-            <a:pPr indent="0" marL="0">
-              <a:lnSpc>
-                <a:spcPct val="110000"/>
-              </a:lnSpc>
-              <a:buNone/>
-            </a:pPr>
-            <a:r>
-              <a:rPr lang="en-US" sz="1800" dirty="0">
-                <a:solidFill>
-                  <a:srgbClr val="000000"/>
-                </a:solidFill>
-              </a:rPr>
-              <a:t>Screenshot: Budget overview and Trade Budget detail.</a:t>
+              <a:t>event history timeline</a:t>
+            </a:r>
+            <a:endParaRPr lang="en-US" sz="1800" dirty="0"/>
+          </a:p>
+          <a:p>
+            <a:pPr marL="342900" indent="-342900">
+              <a:lnSpc>
+                <a:spcPct val="110000"/>
+              </a:lnSpc>
+              <a:buSzPct val="100000"/>
+              <a:buChar char="•"/>
+            </a:pPr>
+            <a:r>
+              <a:rPr lang="en-US" sz="1800" dirty="0">
+                <a:solidFill>
+                  <a:srgbClr val="000000"/>
+                </a:solidFill>
+              </a:rPr>
+              <a:t>back-in-time navigation</a:t>
+            </a:r>
+            <a:endParaRPr lang="en-US" sz="1800" dirty="0"/>
+          </a:p>
+          <a:p>
+            <a:pPr marL="342900" indent="-342900">
+              <a:lnSpc>
+                <a:spcPct val="110000"/>
+              </a:lnSpc>
+              <a:buSzPct val="100000"/>
+              <a:buChar char="•"/>
+            </a:pPr>
+            <a:r>
+              <a:rPr lang="en-US" sz="1800" dirty="0">
+                <a:solidFill>
+                  <a:srgbClr val="000000"/>
+                </a:solidFill>
+              </a:rPr>
+              <a:t>cross-sensor playback</a:t>
+            </a:r>
+            <a:endParaRPr lang="en-US" sz="1800" dirty="0"/>
+          </a:p>
+          <a:p>
+            <a:pPr marL="342900" indent="-342900">
+              <a:lnSpc>
+                <a:spcPct val="110000"/>
+              </a:lnSpc>
+              <a:buSzPct val="100000"/>
+              <a:buChar char="•"/>
+            </a:pPr>
+            <a:r>
+              <a:rPr lang="en-US" sz="1800" dirty="0">
+                <a:solidFill>
+                  <a:srgbClr val="000000"/>
+                </a:solidFill>
+              </a:rPr>
+              <a:t>incident evolution tracking</a:t>
+            </a:r>
+            <a:endParaRPr lang="en-US" sz="1800" dirty="0"/>
+          </a:p>
+          <a:p>
+            <a:pPr marL="342900" indent="-342900">
+              <a:lnSpc>
+                <a:spcPct val="110000"/>
+              </a:lnSpc>
+              <a:buSzPct val="100000"/>
+              <a:buChar char="•"/>
+            </a:pPr>
+            <a:r>
+              <a:rPr lang="en-US" sz="1800" dirty="0">
+                <a:solidFill>
+                  <a:srgbClr val="000000"/>
+                </a:solidFill>
+              </a:rPr>
+              <a:t>crowd movement reconstruction</a:t>
+            </a:r>
+            <a:endParaRPr lang="en-US" sz="1800" dirty="0"/>
+          </a:p>
+          <a:p>
+            <a:pPr marL="342900" indent="-342900">
+              <a:lnSpc>
+                <a:spcPct val="110000"/>
+              </a:lnSpc>
+              <a:buSzPct val="100000"/>
+              <a:buChar char="•"/>
+            </a:pPr>
+            <a:r>
+              <a:rPr lang="en-US" sz="1800" dirty="0">
+                <a:solidFill>
+                  <a:srgbClr val="000000"/>
+                </a:solidFill>
+              </a:rPr>
+              <a:t>operations audit review</a:t>
+            </a:r>
+            <a:endParaRPr lang="en-US" sz="1800" dirty="0"/>
+          </a:p>
+          <a:p>
+            <a:pPr marL="342900" indent="-342900">
+              <a:lnSpc>
+                <a:spcPct val="110000"/>
+              </a:lnSpc>
+              <a:buSzPct val="100000"/>
+              <a:buChar char="•"/>
+            </a:pPr>
+            <a:r>
+              <a:rPr lang="en-US" sz="1800" dirty="0">
+                <a:solidFill>
+                  <a:srgbClr val="000000"/>
+                </a:solidFill>
+              </a:rPr>
+              <a:t>safety &amp; risk analysis</a:t>
+            </a:r>
+            <a:endParaRPr lang="en-US" sz="1800" dirty="0"/>
+          </a:p>
+          <a:p>
+            <a:pPr marL="342900" indent="-342900">
+              <a:lnSpc>
+                <a:spcPct val="110000"/>
+              </a:lnSpc>
+              <a:buSzPct val="100000"/>
+              <a:buChar char="•"/>
+            </a:pPr>
+            <a:r>
+              <a:rPr lang="en-US" sz="1800" dirty="0">
+                <a:solidFill>
+                  <a:srgbClr val="000000"/>
+                </a:solidFill>
+              </a:rPr>
+              <a:t>“what changed over time” diagnostics</a:t>
             </a:r>
             <a:endParaRPr lang="en-US" sz="1800" dirty="0"/>
           </a:p>
@@ -2348,7 +2076,7 @@
                   <a:srgbClr val="000000"/>
                 </a:solidFill>
               </a:rPr>
-              <a:t>11) Context Engineering Methodology</a:t>
+              <a:t>5) Operator-Focused AI UX</a:t>
             </a:r>
             <a:endParaRPr lang="en-US" sz="2800" dirty="0"/>
           </a:p>
@@ -2388,691 +2116,259 @@
                   <a:srgbClr val="000000"/>
                 </a:solidFill>
               </a:rPr>
-              <a:t>Intake: Collect problem, goals, constraints, and available data.</a:t>
-            </a:r>
-            <a:pPr indent="0" marL="0">
-              <a:lnSpc>
-                <a:spcPct val="110000"/>
-              </a:lnSpc>
-              <a:buNone/>
-            </a:pPr>
-            <a:r>
-              <a:rPr lang="en-US" sz="1800" dirty="0">
-                <a:solidFill>
-                  <a:srgbClr val="000000"/>
-                </a:solidFill>
-              </a:rPr>
-              <a:t>Feasibility: Validate if AI is the right tool; align on success metrics.</a:t>
-            </a:r>
-            <a:pPr indent="0" marL="0">
-              <a:lnSpc>
-                <a:spcPct val="110000"/>
-              </a:lnSpc>
-              <a:buNone/>
-            </a:pPr>
-            <a:r>
-              <a:rPr lang="en-US" sz="1800" dirty="0">
-                <a:solidFill>
-                  <a:srgbClr val="000000"/>
-                </a:solidFill>
-              </a:rPr>
-              <a:t>Architecture: Models, retrieval (RAG), parsers, orchestration, guardrails.</a:t>
-            </a:r>
-            <a:pPr indent="0" marL="0">
-              <a:lnSpc>
-                <a:spcPct val="110000"/>
-              </a:lnSpc>
-              <a:buNone/>
-            </a:pPr>
-            <a:r>
-              <a:rPr lang="en-US" sz="1800" dirty="0">
-                <a:solidFill>
-                  <a:srgbClr val="000000"/>
-                </a:solidFill>
-              </a:rPr>
-              <a:t>Implementation: Prompts + structured outputs + data pipelines + rich UX.</a:t>
-            </a:r>
-            <a:pPr indent="0" marL="0">
-              <a:lnSpc>
-                <a:spcPct val="110000"/>
-              </a:lnSpc>
-              <a:buNone/>
-            </a:pPr>
-            <a:r>
-              <a:rPr lang="en-US" sz="1800" dirty="0">
-                <a:solidFill>
-                  <a:srgbClr val="000000"/>
-                </a:solidFill>
-              </a:rPr>
-              <a:t>Delivery: Evals, telemetry, cost controls, iteration loop.</a:t>
-            </a:r>
-            <a:pPr indent="0" marL="0">
-              <a:lnSpc>
-                <a:spcPct val="110000"/>
-              </a:lnSpc>
-              <a:buNone/>
-            </a:pPr>
-            <a:r>
-              <a:rPr lang="en-US" sz="1800" dirty="0">
-                <a:solidFill>
-                  <a:srgbClr val="000000"/>
-                </a:solidFill>
-              </a:rPr>
-              <a:t>Screenshot: Method checklist.</a:t>
-            </a:r>
-            <a:endParaRPr lang="en-US" sz="1800" dirty="0"/>
-          </a:p>
-        </p:txBody>
-      </p:sp>
-    </p:spTree>
-  </p:cSld>
-  <p:clrMapOvr>
-    <a:masterClrMapping/>
-  </p:clrMapOvr>
-</p:sld>
-</file>
-
-<file path=ppt/slides/slide12.xml><?xml version="1.0" encoding="utf-8"?>
-<p:sld xmlns:a="http://schemas.openxmlformats.org/drawingml/2006/main" xmlns:r="http://schemas.openxmlformats.org/officeDocument/2006/relationships" xmlns:p="http://schemas.openxmlformats.org/presentationml/2006/main">
-  <p:cSld name="Slide 12">
-    <p:spTree>
-      <p:nvGrpSpPr>
-        <p:cNvPr id="1" name=""/>
-        <p:cNvGrpSpPr/>
-        <p:nvPr/>
-      </p:nvGrpSpPr>
-      <p:grpSpPr>
-        <a:xfrm>
-          <a:off x="0" y="0"/>
-          <a:ext cx="0" cy="0"/>
-          <a:chOff x="0" y="0"/>
-          <a:chExt cx="0" cy="0"/>
-        </a:xfrm>
-      </p:grpSpPr>
-      <p:sp>
-        <p:nvSpPr>
-          <p:cNvPr id="2" name="Text 0"/>
-          <p:cNvSpPr/>
-          <p:nvPr/>
-        </p:nvSpPr>
-        <p:spPr>
-          <a:xfrm>
-            <a:off x="457200" y="457200"/>
-            <a:ext cx="8229600" cy="548640"/>
-          </a:xfrm>
-          <a:prstGeom prst="rect">
-            <a:avLst/>
-          </a:prstGeom>
-          <a:noFill/>
-          <a:ln/>
-        </p:spPr>
-        <p:txBody>
-          <a:bodyPr wrap="square" rtlCol="0" anchor="ctr"/>
-          <a:lstStyle/>
-          <a:p>
-            <a:pPr indent="0" marL="0">
-              <a:buNone/>
-            </a:pPr>
-            <a:r>
-              <a:rPr lang="en-US" sz="2800" b="1" dirty="0">
-                <a:solidFill>
-                  <a:srgbClr val="000000"/>
-                </a:solidFill>
-              </a:rPr>
-              <a:t>12) Enterprise Readiness</a:t>
-            </a:r>
-            <a:endParaRPr lang="en-US" sz="2800" dirty="0"/>
-          </a:p>
-        </p:txBody>
-      </p:sp>
-      <p:sp>
-        <p:nvSpPr>
-          <p:cNvPr id="3" name="Text 1"/>
-          <p:cNvSpPr/>
-          <p:nvPr/>
-        </p:nvSpPr>
-        <p:spPr>
-          <a:xfrm>
-            <a:off x="685800" y="1097280"/>
-            <a:ext cx="7772400" cy="4114800"/>
-          </a:xfrm>
-          <a:prstGeom prst="rect">
-            <a:avLst/>
-          </a:prstGeom>
-          <a:noFill/>
-          <a:ln/>
-        </p:spPr>
-        <p:txBody>
-          <a:bodyPr wrap="square" rtlCol="0" anchor="ctr"/>
-          <a:lstStyle/>
-          <a:p>
-            <a:pPr marL="342900" indent="-342900">
-              <a:lnSpc>
-                <a:spcPct val="110000"/>
-              </a:lnSpc>
-              <a:buSzPct val="100000"/>
-              <a:buChar char="•"/>
-            </a:pPr>
-            <a:r>
-              <a:rPr lang="en-US" sz="1800" dirty="0">
-                <a:solidFill>
-                  <a:srgbClr val="000000"/>
-                </a:solidFill>
-              </a:rPr>
-              <a:t>Observability: AI logs, prompts/outputs, latency/cost dashboards.</a:t>
-            </a:r>
-            <a:pPr indent="0" marL="0">
-              <a:lnSpc>
-                <a:spcPct val="110000"/>
-              </a:lnSpc>
-              <a:buNone/>
-            </a:pPr>
-            <a:r>
-              <a:rPr lang="en-US" sz="1800" dirty="0">
-                <a:solidFill>
-                  <a:srgbClr val="000000"/>
-                </a:solidFill>
-              </a:rPr>
-              <a:t>Evals: Scenario tests to prevent regressions in structured outputs and accuracy.</a:t>
-            </a:r>
-            <a:pPr indent="0" marL="0">
-              <a:lnSpc>
-                <a:spcPct val="110000"/>
-              </a:lnSpc>
-              <a:buNone/>
-            </a:pPr>
-            <a:r>
-              <a:rPr lang="en-US" sz="1800" dirty="0">
-                <a:solidFill>
-                  <a:srgbClr val="000000"/>
-                </a:solidFill>
-              </a:rPr>
-              <a:t>Security/Privacy: Scoped data access, source tracking, PII handling options.</a:t>
-            </a:r>
-            <a:pPr indent="0" marL="0">
-              <a:lnSpc>
-                <a:spcPct val="110000"/>
-              </a:lnSpc>
-              <a:buNone/>
-            </a:pPr>
-            <a:r>
-              <a:rPr lang="en-US" sz="1800" dirty="0">
-                <a:solidFill>
-                  <a:srgbClr val="000000"/>
-                </a:solidFill>
-              </a:rPr>
-              <a:t>Cost &amp; Performance: Caching, retrieval tuning, structured outputs to reduce retries.</a:t>
-            </a:r>
-            <a:pPr indent="0" marL="0">
-              <a:lnSpc>
-                <a:spcPct val="110000"/>
-              </a:lnSpc>
-              <a:buNone/>
-            </a:pPr>
-            <a:r>
-              <a:rPr lang="en-US" sz="1800" dirty="0">
-                <a:solidFill>
-                  <a:srgbClr val="000000"/>
-                </a:solidFill>
-              </a:rPr>
-              <a:t>Screenshot: Logs/evals dashboard mock.</a:t>
-            </a:r>
-            <a:endParaRPr lang="en-US" sz="1800" dirty="0"/>
-          </a:p>
-        </p:txBody>
-      </p:sp>
-    </p:spTree>
-  </p:cSld>
-  <p:clrMapOvr>
-    <a:masterClrMapping/>
-  </p:clrMapOvr>
-</p:sld>
-</file>
-
-<file path=ppt/slides/slide13.xml><?xml version="1.0" encoding="utf-8"?>
-<p:sld xmlns:a="http://schemas.openxmlformats.org/drawingml/2006/main" xmlns:r="http://schemas.openxmlformats.org/officeDocument/2006/relationships" xmlns:p="http://schemas.openxmlformats.org/presentationml/2006/main">
-  <p:cSld name="Slide 13">
-    <p:spTree>
-      <p:nvGrpSpPr>
-        <p:cNvPr id="1" name=""/>
-        <p:cNvGrpSpPr/>
-        <p:nvPr/>
-      </p:nvGrpSpPr>
-      <p:grpSpPr>
-        <a:xfrm>
-          <a:off x="0" y="0"/>
-          <a:ext cx="0" cy="0"/>
-          <a:chOff x="0" y="0"/>
-          <a:chExt cx="0" cy="0"/>
-        </a:xfrm>
-      </p:grpSpPr>
-      <p:sp>
-        <p:nvSpPr>
-          <p:cNvPr id="2" name="Text 0"/>
-          <p:cNvSpPr/>
-          <p:nvPr/>
-        </p:nvSpPr>
-        <p:spPr>
-          <a:xfrm>
-            <a:off x="457200" y="457200"/>
-            <a:ext cx="8229600" cy="548640"/>
-          </a:xfrm>
-          <a:prstGeom prst="rect">
-            <a:avLst/>
-          </a:prstGeom>
-          <a:noFill/>
-          <a:ln/>
-        </p:spPr>
-        <p:txBody>
-          <a:bodyPr wrap="square" rtlCol="0" anchor="ctr"/>
-          <a:lstStyle/>
-          <a:p>
-            <a:pPr indent="0" marL="0">
-              <a:buNone/>
-            </a:pPr>
-            <a:r>
-              <a:rPr lang="en-US" sz="2800" b="1" dirty="0">
-                <a:solidFill>
-                  <a:srgbClr val="000000"/>
-                </a:solidFill>
-              </a:rPr>
-              <a:t>13) Industry Use-Case Alignment (Examples)</a:t>
-            </a:r>
-            <a:endParaRPr lang="en-US" sz="2800" dirty="0"/>
-          </a:p>
-        </p:txBody>
-      </p:sp>
-      <p:sp>
-        <p:nvSpPr>
-          <p:cNvPr id="3" name="Text 1"/>
-          <p:cNvSpPr/>
-          <p:nvPr/>
-        </p:nvSpPr>
-        <p:spPr>
-          <a:xfrm>
-            <a:off x="685800" y="1097280"/>
-            <a:ext cx="7772400" cy="4114800"/>
-          </a:xfrm>
-          <a:prstGeom prst="rect">
-            <a:avLst/>
-          </a:prstGeom>
-          <a:noFill/>
-          <a:ln/>
-        </p:spPr>
-        <p:txBody>
-          <a:bodyPr wrap="square" rtlCol="0" anchor="ctr"/>
-          <a:lstStyle/>
-          <a:p>
-            <a:pPr marL="342900" indent="-342900">
-              <a:lnSpc>
-                <a:spcPct val="110000"/>
-              </a:lnSpc>
-              <a:buSzPct val="100000"/>
-              <a:buChar char="•"/>
-            </a:pPr>
-            <a:r>
-              <a:rPr lang="en-US" sz="1800" dirty="0">
-                <a:solidFill>
-                  <a:srgbClr val="000000"/>
-                </a:solidFill>
-              </a:rPr>
-              <a:t>Operations &amp; Quality: SOP retrieval, deviation analysis, structured checklists.</a:t>
-            </a:r>
-            <a:pPr indent="0" marL="0">
-              <a:lnSpc>
-                <a:spcPct val="110000"/>
-              </a:lnSpc>
-              <a:buNone/>
-            </a:pPr>
-            <a:r>
-              <a:rPr lang="en-US" sz="1800" dirty="0">
-                <a:solidFill>
-                  <a:srgbClr val="000000"/>
-                </a:solidFill>
-              </a:rPr>
-              <a:t>Procurement &amp; Bids: Side-by-side comparisons, requirement matching, lifecycle cost.</a:t>
-            </a:r>
-            <a:pPr indent="0" marL="0">
-              <a:lnSpc>
-                <a:spcPct val="110000"/>
-              </a:lnSpc>
-              <a:buNone/>
-            </a:pPr>
-            <a:r>
-              <a:rPr lang="en-US" sz="1800" dirty="0">
-                <a:solidFill>
-                  <a:srgbClr val="000000"/>
-                </a:solidFill>
-              </a:rPr>
-              <a:t>Service &amp; Maintenance: Multimodal troubleshooting (images/manuals) with cited steps.</a:t>
-            </a:r>
-            <a:pPr indent="0" marL="0">
-              <a:lnSpc>
-                <a:spcPct val="110000"/>
-              </a:lnSpc>
-              <a:buNone/>
-            </a:pPr>
-            <a:r>
-              <a:rPr lang="en-US" sz="1800" dirty="0">
-                <a:solidFill>
-                  <a:srgbClr val="000000"/>
-                </a:solidFill>
-              </a:rPr>
-              <a:t>Metrics: Time-to-answer, citation coverage, task completion accuracy.</a:t>
-            </a:r>
-            <a:pPr indent="0" marL="0">
-              <a:lnSpc>
-                <a:spcPct val="110000"/>
-              </a:lnSpc>
-              <a:buNone/>
-            </a:pPr>
-            <a:r>
-              <a:rPr lang="en-US" sz="1800" dirty="0">
-                <a:solidFill>
-                  <a:srgbClr val="000000"/>
-                </a:solidFill>
-              </a:rPr>
-              <a:t>Screenshot: Example comparison table tailored to a target process.</a:t>
-            </a:r>
-            <a:endParaRPr lang="en-US" sz="1800" dirty="0"/>
-          </a:p>
-        </p:txBody>
-      </p:sp>
-    </p:spTree>
-  </p:cSld>
-  <p:clrMapOvr>
-    <a:masterClrMapping/>
-  </p:clrMapOvr>
-</p:sld>
-</file>
-
-<file path=ppt/slides/slide14.xml><?xml version="1.0" encoding="utf-8"?>
-<p:sld xmlns:a="http://schemas.openxmlformats.org/drawingml/2006/main" xmlns:r="http://schemas.openxmlformats.org/officeDocument/2006/relationships" xmlns:p="http://schemas.openxmlformats.org/presentationml/2006/main">
-  <p:cSld name="Slide 14">
-    <p:spTree>
-      <p:nvGrpSpPr>
-        <p:cNvPr id="1" name=""/>
-        <p:cNvGrpSpPr/>
-        <p:nvPr/>
-      </p:nvGrpSpPr>
-      <p:grpSpPr>
-        <a:xfrm>
-          <a:off x="0" y="0"/>
-          <a:ext cx="0" cy="0"/>
-          <a:chOff x="0" y="0"/>
-          <a:chExt cx="0" cy="0"/>
-        </a:xfrm>
-      </p:grpSpPr>
-      <p:sp>
-        <p:nvSpPr>
-          <p:cNvPr id="2" name="Text 0"/>
-          <p:cNvSpPr/>
-          <p:nvPr/>
-        </p:nvSpPr>
-        <p:spPr>
-          <a:xfrm>
-            <a:off x="457200" y="457200"/>
-            <a:ext cx="8229600" cy="548640"/>
-          </a:xfrm>
-          <a:prstGeom prst="rect">
-            <a:avLst/>
-          </a:prstGeom>
-          <a:noFill/>
-          <a:ln/>
-        </p:spPr>
-        <p:txBody>
-          <a:bodyPr wrap="square" rtlCol="0" anchor="ctr"/>
-          <a:lstStyle/>
-          <a:p>
-            <a:pPr indent="0" marL="0">
-              <a:buNone/>
-            </a:pPr>
-            <a:r>
-              <a:rPr lang="en-US" sz="2800" b="1" dirty="0">
-                <a:solidFill>
-                  <a:srgbClr val="000000"/>
-                </a:solidFill>
-              </a:rPr>
-              <a:t>14) Tech Stack Summary</a:t>
-            </a:r>
-            <a:endParaRPr lang="en-US" sz="2800" dirty="0"/>
-          </a:p>
-        </p:txBody>
-      </p:sp>
-      <p:sp>
-        <p:nvSpPr>
-          <p:cNvPr id="3" name="Text 1"/>
-          <p:cNvSpPr/>
-          <p:nvPr/>
-        </p:nvSpPr>
-        <p:spPr>
-          <a:xfrm>
-            <a:off x="685800" y="1097280"/>
-            <a:ext cx="7772400" cy="4114800"/>
-          </a:xfrm>
-          <a:prstGeom prst="rect">
-            <a:avLst/>
-          </a:prstGeom>
-          <a:noFill/>
-          <a:ln/>
-        </p:spPr>
-        <p:txBody>
-          <a:bodyPr wrap="square" rtlCol="0" anchor="ctr"/>
-          <a:lstStyle/>
-          <a:p>
-            <a:pPr marL="342900" indent="-342900">
-              <a:lnSpc>
-                <a:spcPct val="110000"/>
-              </a:lnSpc>
-              <a:buSzPct val="100000"/>
-              <a:buChar char="•"/>
-            </a:pPr>
-            <a:r>
-              <a:rPr lang="en-US" sz="1800" dirty="0">
-                <a:solidFill>
-                  <a:srgbClr val="000000"/>
-                </a:solidFill>
-              </a:rPr>
-              <a:t>Backend: Node/Express, LangChain, Zod for structured outputs, Joi for REST validation.</a:t>
-            </a:r>
-            <a:pPr indent="0" marL="0">
-              <a:lnSpc>
-                <a:spcPct val="110000"/>
-              </a:lnSpc>
-              <a:buNone/>
-            </a:pPr>
-            <a:r>
-              <a:rPr lang="en-US" sz="1800" dirty="0">
-                <a:solidFill>
-                  <a:srgbClr val="000000"/>
-                </a:solidFill>
-              </a:rPr>
-              <a:t>Knowledge: OCR/PDF parsing (incl. LlamaParse), vector index for embeddings/RAG.</a:t>
-            </a:r>
-            <a:pPr indent="0" marL="0">
-              <a:lnSpc>
-                <a:spcPct val="110000"/>
-              </a:lnSpc>
-              <a:buNone/>
-            </a:pPr>
-            <a:r>
-              <a:rPr lang="en-US" sz="1800" dirty="0">
-                <a:solidFill>
-                  <a:srgbClr val="000000"/>
-                </a:solidFill>
-              </a:rPr>
-              <a:t>Frontend: React + MUI; rich structured chat renderers; planning and budget UIs.</a:t>
-            </a:r>
-            <a:pPr indent="0" marL="0">
-              <a:lnSpc>
-                <a:spcPct val="110000"/>
-              </a:lnSpc>
-              <a:buNone/>
-            </a:pPr>
-            <a:r>
-              <a:rPr lang="en-US" sz="1800" dirty="0">
-                <a:solidFill>
-                  <a:srgbClr val="000000"/>
-                </a:solidFill>
-              </a:rPr>
-              <a:t>Integrations: Event-driven prompts, multimodal analysis, bid comparison flows.</a:t>
-            </a:r>
-            <a:pPr indent="0" marL="0">
-              <a:lnSpc>
-                <a:spcPct val="110000"/>
-              </a:lnSpc>
-              <a:buNone/>
-            </a:pPr>
-            <a:r>
-              <a:rPr lang="en-US" sz="1800" dirty="0">
-                <a:solidFill>
-                  <a:srgbClr val="000000"/>
-                </a:solidFill>
-              </a:rPr>
-              <a:t>Screenshot: Stack diagram.</a:t>
-            </a:r>
-            <a:endParaRPr lang="en-US" sz="1800" dirty="0"/>
-          </a:p>
-        </p:txBody>
-      </p:sp>
-    </p:spTree>
-  </p:cSld>
-  <p:clrMapOvr>
-    <a:masterClrMapping/>
-  </p:clrMapOvr>
-</p:sld>
-</file>
-
-<file path=ppt/slides/slide15.xml><?xml version="1.0" encoding="utf-8"?>
-<p:sld xmlns:a="http://schemas.openxmlformats.org/drawingml/2006/main" xmlns:r="http://schemas.openxmlformats.org/officeDocument/2006/relationships" xmlns:p="http://schemas.openxmlformats.org/presentationml/2006/main">
-  <p:cSld name="Slide 15">
-    <p:spTree>
-      <p:nvGrpSpPr>
-        <p:cNvPr id="1" name=""/>
-        <p:cNvGrpSpPr/>
-        <p:nvPr/>
-      </p:nvGrpSpPr>
-      <p:grpSpPr>
-        <a:xfrm>
-          <a:off x="0" y="0"/>
-          <a:ext cx="0" cy="0"/>
-          <a:chOff x="0" y="0"/>
-          <a:chExt cx="0" cy="0"/>
-        </a:xfrm>
-      </p:grpSpPr>
-      <p:sp>
-        <p:nvSpPr>
-          <p:cNvPr id="2" name="Text 0"/>
-          <p:cNvSpPr/>
-          <p:nvPr/>
-        </p:nvSpPr>
-        <p:spPr>
-          <a:xfrm>
-            <a:off x="457200" y="457200"/>
-            <a:ext cx="8229600" cy="548640"/>
-          </a:xfrm>
-          <a:prstGeom prst="rect">
-            <a:avLst/>
-          </a:prstGeom>
-          <a:noFill/>
-          <a:ln/>
-        </p:spPr>
-        <p:txBody>
-          <a:bodyPr wrap="square" rtlCol="0" anchor="ctr"/>
-          <a:lstStyle/>
-          <a:p>
-            <a:pPr indent="0" marL="0">
-              <a:buNone/>
-            </a:pPr>
-            <a:r>
-              <a:rPr lang="en-US" sz="2800" b="1" dirty="0">
-                <a:solidFill>
-                  <a:srgbClr val="000000"/>
-                </a:solidFill>
-              </a:rPr>
-              <a:t>15) Next Steps</a:t>
-            </a:r>
-            <a:endParaRPr lang="en-US" sz="2800" dirty="0"/>
-          </a:p>
-        </p:txBody>
-      </p:sp>
-      <p:sp>
-        <p:nvSpPr>
-          <p:cNvPr id="3" name="Text 1"/>
-          <p:cNvSpPr/>
-          <p:nvPr/>
-        </p:nvSpPr>
-        <p:spPr>
-          <a:xfrm>
-            <a:off x="685800" y="1097280"/>
-            <a:ext cx="7772400" cy="4114800"/>
-          </a:xfrm>
-          <a:prstGeom prst="rect">
-            <a:avLst/>
-          </a:prstGeom>
-          <a:noFill/>
-          <a:ln/>
-        </p:spPr>
-        <p:txBody>
-          <a:bodyPr wrap="square" rtlCol="0" anchor="ctr"/>
-          <a:lstStyle/>
-          <a:p>
-            <a:pPr marL="342900" indent="-342900">
-              <a:lnSpc>
-                <a:spcPct val="110000"/>
-              </a:lnSpc>
-              <a:buSzPct val="100000"/>
-              <a:buChar char="•"/>
-            </a:pPr>
-            <a:r>
-              <a:rPr lang="en-US" sz="1800" dirty="0">
-                <a:solidFill>
-                  <a:srgbClr val="000000"/>
-                </a:solidFill>
-              </a:rPr>
-              <a:t>Select pilot scope and data sources; define KPIs and acceptance criteria.</a:t>
-            </a:r>
-            <a:pPr indent="0" marL="0">
-              <a:lnSpc>
-                <a:spcPct val="110000"/>
-              </a:lnSpc>
-              <a:buNone/>
-            </a:pPr>
-            <a:r>
-              <a:rPr lang="en-US" sz="1800" dirty="0">
-                <a:solidFill>
-                  <a:srgbClr val="000000"/>
-                </a:solidFill>
-              </a:rPr>
-              <a:t>Configure ingestion and RAG domains; tailor prompts and schemas.</a:t>
-            </a:r>
-            <a:pPr indent="0" marL="0">
-              <a:lnSpc>
-                <a:spcPct val="110000"/>
-              </a:lnSpc>
-              <a:buNone/>
-            </a:pPr>
-            <a:r>
-              <a:rPr lang="en-US" sz="1800" dirty="0">
-                <a:solidFill>
-                  <a:srgbClr val="000000"/>
-                </a:solidFill>
-              </a:rPr>
-              <a:t>Run evaluations; iterate on UX and guardrails; plan rollout.</a:t>
-            </a:r>
-            <a:pPr indent="0" marL="0">
-              <a:lnSpc>
-                <a:spcPct val="110000"/>
-              </a:lnSpc>
-              <a:buNone/>
-            </a:pPr>
-            <a:r>
-              <a:rPr lang="en-US" sz="1800" dirty="0">
-                <a:solidFill>
-                  <a:srgbClr val="000000"/>
-                </a:solidFill>
-              </a:rPr>
-              <a:t>Screenshot: Project plan/timeline.</a:t>
+              <a:t>structured incident summaries</a:t>
+            </a:r>
+            <a:endParaRPr lang="en-US" sz="1800" dirty="0"/>
+          </a:p>
+          <a:p>
+            <a:pPr marL="342900" indent="-342900">
+              <a:lnSpc>
+                <a:spcPct val="110000"/>
+              </a:lnSpc>
+              <a:buSzPct val="100000"/>
+              <a:buChar char="•"/>
+            </a:pPr>
+            <a:r>
+              <a:rPr lang="en-US" sz="1800" dirty="0">
+                <a:solidFill>
+                  <a:srgbClr val="000000"/>
+                </a:solidFill>
+              </a:rPr>
+              <a:t>risk scoring cards</a:t>
+            </a:r>
+            <a:endParaRPr lang="en-US" sz="1800" dirty="0"/>
+          </a:p>
+          <a:p>
+            <a:pPr marL="342900" indent="-342900">
+              <a:lnSpc>
+                <a:spcPct val="110000"/>
+              </a:lnSpc>
+              <a:buSzPct val="100000"/>
+              <a:buChar char="•"/>
+            </a:pPr>
+            <a:r>
+              <a:rPr lang="en-US" sz="1800" dirty="0">
+                <a:solidFill>
+                  <a:srgbClr val="000000"/>
+                </a:solidFill>
+              </a:rPr>
+              <a:t>correlation insight panels</a:t>
+            </a:r>
+            <a:endParaRPr lang="en-US" sz="1800" dirty="0"/>
+          </a:p>
+          <a:p>
+            <a:pPr marL="342900" indent="-342900">
+              <a:lnSpc>
+                <a:spcPct val="110000"/>
+              </a:lnSpc>
+              <a:buSzPct val="100000"/>
+              <a:buChar char="•"/>
+            </a:pPr>
+            <a:r>
+              <a:rPr lang="en-US" sz="1800" dirty="0">
+                <a:solidFill>
+                  <a:srgbClr val="000000"/>
+                </a:solidFill>
+              </a:rPr>
+              <a:t>recommended playbooks</a:t>
+            </a:r>
+            <a:endParaRPr lang="en-US" sz="1800" dirty="0"/>
+          </a:p>
+          <a:p>
+            <a:pPr marL="342900" indent="-342900">
+              <a:lnSpc>
+                <a:spcPct val="110000"/>
+              </a:lnSpc>
+              <a:buSzPct val="100000"/>
+              <a:buChar char="•"/>
+            </a:pPr>
+            <a:r>
+              <a:rPr lang="en-US" sz="1800" dirty="0">
+                <a:solidFill>
+                  <a:srgbClr val="000000"/>
+                </a:solidFill>
+              </a:rPr>
+              <a:t>one-click follow-up actions</a:t>
+            </a:r>
+            <a:endParaRPr lang="en-US" sz="1800" dirty="0"/>
+          </a:p>
+          <a:p>
+            <a:pPr marL="342900" indent="-342900">
+              <a:lnSpc>
+                <a:spcPct val="110000"/>
+              </a:lnSpc>
+              <a:buSzPct val="100000"/>
+              <a:buChar char="•"/>
+            </a:pPr>
+            <a:r>
+              <a:rPr lang="en-US" sz="1800" dirty="0">
+                <a:solidFill>
+                  <a:srgbClr val="000000"/>
+                </a:solidFill>
+              </a:rPr>
+              <a:t>faster response</a:t>
+            </a:r>
+            <a:endParaRPr lang="en-US" sz="1800" dirty="0"/>
+          </a:p>
+          <a:p>
+            <a:pPr marL="342900" indent="-342900">
+              <a:lnSpc>
+                <a:spcPct val="110000"/>
+              </a:lnSpc>
+              <a:buSzPct val="100000"/>
+              <a:buChar char="•"/>
+            </a:pPr>
+            <a:r>
+              <a:rPr lang="en-US" sz="1800" dirty="0">
+                <a:solidFill>
+                  <a:srgbClr val="000000"/>
+                </a:solidFill>
+              </a:rPr>
+              <a:t>clearer decision-making</a:t>
+            </a:r>
+            <a:endParaRPr lang="en-US" sz="1800" dirty="0"/>
+          </a:p>
+          <a:p>
+            <a:pPr marL="342900" indent="-342900">
+              <a:lnSpc>
+                <a:spcPct val="110000"/>
+              </a:lnSpc>
+              <a:buSzPct val="100000"/>
+              <a:buChar char="•"/>
+            </a:pPr>
+            <a:r>
+              <a:rPr lang="en-US" sz="1800" dirty="0">
+                <a:solidFill>
+                  <a:srgbClr val="000000"/>
+                </a:solidFill>
+              </a:rPr>
+              <a:t>safer operational outcomes</a:t>
+            </a:r>
+            <a:endParaRPr lang="en-US" sz="1800" dirty="0"/>
+          </a:p>
+          <a:p>
+            <a:pPr marL="342900" indent="-342900">
+              <a:lnSpc>
+                <a:spcPct val="110000"/>
+              </a:lnSpc>
+              <a:buSzPct val="100000"/>
+              <a:buChar char="•"/>
+            </a:pPr>
+            <a:r>
+              <a:rPr lang="en-US" sz="1800" dirty="0">
+                <a:solidFill>
+                  <a:srgbClr val="000000"/>
+                </a:solidFill>
+              </a:rPr>
+              <a:t>applied AI system design</a:t>
+            </a:r>
+            <a:endParaRPr lang="en-US" sz="1800" dirty="0"/>
+          </a:p>
+          <a:p>
+            <a:pPr marL="342900" indent="-342900">
+              <a:lnSpc>
+                <a:spcPct val="110000"/>
+              </a:lnSpc>
+              <a:buSzPct val="100000"/>
+              <a:buChar char="•"/>
+            </a:pPr>
+            <a:r>
+              <a:rPr lang="en-US" sz="1800" dirty="0">
+                <a:solidFill>
+                  <a:srgbClr val="000000"/>
+                </a:solidFill>
+              </a:rPr>
+              <a:t>structured output engineering</a:t>
+            </a:r>
+            <a:endParaRPr lang="en-US" sz="1800" dirty="0"/>
+          </a:p>
+          <a:p>
+            <a:pPr marL="342900" indent="-342900">
+              <a:lnSpc>
+                <a:spcPct val="110000"/>
+              </a:lnSpc>
+              <a:buSzPct val="100000"/>
+              <a:buChar char="•"/>
+            </a:pPr>
+            <a:r>
+              <a:rPr lang="en-US" sz="1800" dirty="0">
+                <a:solidFill>
+                  <a:srgbClr val="000000"/>
+                </a:solidFill>
+              </a:rPr>
+              <a:t>multimodal reasoning</a:t>
+            </a:r>
+            <a:endParaRPr lang="en-US" sz="1800" dirty="0"/>
+          </a:p>
+          <a:p>
+            <a:pPr marL="342900" indent="-342900">
+              <a:lnSpc>
+                <a:spcPct val="110000"/>
+              </a:lnSpc>
+              <a:buSzPct val="100000"/>
+              <a:buChar char="•"/>
+            </a:pPr>
+            <a:r>
+              <a:rPr lang="en-US" sz="1800" dirty="0">
+                <a:solidFill>
+                  <a:srgbClr val="000000"/>
+                </a:solidFill>
+              </a:rPr>
+              <a:t>RAG &amp; context fusion</a:t>
+            </a:r>
+            <a:endParaRPr lang="en-US" sz="1800" dirty="0"/>
+          </a:p>
+          <a:p>
+            <a:pPr marL="342900" indent="-342900">
+              <a:lnSpc>
+                <a:spcPct val="110000"/>
+              </a:lnSpc>
+              <a:buSzPct val="100000"/>
+              <a:buChar char="•"/>
+            </a:pPr>
+            <a:r>
+              <a:rPr lang="en-US" sz="1800" dirty="0">
+                <a:solidFill>
+                  <a:srgbClr val="000000"/>
+                </a:solidFill>
+              </a:rPr>
+              <a:t>Vision AI + GenAI orchestration</a:t>
+            </a:r>
+            <a:endParaRPr lang="en-US" sz="1800" dirty="0"/>
+          </a:p>
+          <a:p>
+            <a:pPr marL="342900" indent="-342900">
+              <a:lnSpc>
+                <a:spcPct val="110000"/>
+              </a:lnSpc>
+              <a:buSzPct val="100000"/>
+              <a:buChar char="•"/>
+            </a:pPr>
+            <a:r>
+              <a:rPr lang="en-US" sz="1800" dirty="0">
+                <a:solidFill>
+                  <a:srgbClr val="000000"/>
+                </a:solidFill>
+              </a:rPr>
+              <a:t>workflow-embedded intelligence</a:t>
+            </a:r>
+            <a:endParaRPr lang="en-US" sz="1800" dirty="0"/>
+          </a:p>
+          <a:p>
+            <a:pPr marL="342900" indent="-342900">
+              <a:lnSpc>
+                <a:spcPct val="110000"/>
+              </a:lnSpc>
+              <a:buSzPct val="100000"/>
+              <a:buChar char="•"/>
+            </a:pPr>
+            <a:r>
+              <a:rPr lang="en-US" sz="1800" dirty="0">
+                <a:solidFill>
+                  <a:srgbClr val="000000"/>
+                </a:solidFill>
+              </a:rPr>
+              <a:t>enterprise-grade observability &amp; guardrails</a:t>
             </a:r>
             <a:endParaRPr lang="en-US" sz="1800" dirty="0"/>
           </a:p>
@@ -3133,7 +2429,7 @@
                   <a:srgbClr val="000000"/>
                 </a:solidFill>
               </a:rPr>
-              <a:t>2) From Capability to Product: BuildWise</a:t>
+              <a:t>1) Core AI Architecture</a:t>
             </a:r>
             <a:endParaRPr lang="en-US" sz="2800" dirty="0"/>
           </a:p>
@@ -3173,49 +2469,187 @@
                   <a:srgbClr val="000000"/>
                 </a:solidFill>
               </a:rPr>
-              <a:t>Built an AI-enabled construction management product: planning, analysis, rich chat, and budgeting.</a:t>
-            </a:r>
-            <a:pPr indent="0" marL="0">
-              <a:lnSpc>
-                <a:spcPct val="110000"/>
-              </a:lnSpc>
-              <a:buNone/>
-            </a:pPr>
-            <a:r>
-              <a:rPr lang="en-US" sz="1800" dirty="0">
-                <a:solidFill>
-                  <a:srgbClr val="000000"/>
-                </a:solidFill>
-              </a:rPr>
-              <a:t>Combines customer requirements, plan analysis, and trade workflows into actionable outputs.</a:t>
-            </a:r>
-            <a:pPr indent="0" marL="0">
-              <a:lnSpc>
-                <a:spcPct val="110000"/>
-              </a:lnSpc>
-              <a:buNone/>
-            </a:pPr>
-            <a:r>
-              <a:rPr lang="en-US" sz="1800" dirty="0">
-                <a:solidFill>
-                  <a:srgbClr val="000000"/>
-                </a:solidFill>
-              </a:rPr>
-              <a:t>Showcases our approach to context engineering and reliable structured responses.</a:t>
-            </a:r>
-            <a:pPr indent="0" marL="0">
-              <a:lnSpc>
-                <a:spcPct val="110000"/>
-              </a:lnSpc>
-              <a:buNone/>
-            </a:pPr>
-            <a:r>
-              <a:rPr lang="en-US" sz="1800" dirty="0">
-                <a:solidFill>
-                  <a:srgbClr val="000000"/>
-                </a:solidFill>
-              </a:rPr>
-              <a:t>Screenshot: BuildWise home/overview.</a:t>
+              <a:t>LangChain orchestration with schema-enforced responses</a:t>
+            </a:r>
+            <a:endParaRPr lang="en-US" sz="1800" dirty="0"/>
+          </a:p>
+          <a:p>
+            <a:pPr marL="342900" indent="-342900">
+              <a:lnSpc>
+                <a:spcPct val="110000"/>
+              </a:lnSpc>
+              <a:buSzPct val="100000"/>
+              <a:buChar char="•"/>
+            </a:pPr>
+            <a:r>
+              <a:rPr lang="en-US" sz="1800" dirty="0">
+                <a:solidFill>
+                  <a:srgbClr val="000000"/>
+                </a:solidFill>
+              </a:rPr>
+              <a:t>Zod-based deterministic structured JSON parsers</a:t>
+            </a:r>
+            <a:endParaRPr lang="en-US" sz="1800" dirty="0"/>
+          </a:p>
+          <a:p>
+            <a:pPr marL="342900" indent="-342900">
+              <a:lnSpc>
+                <a:spcPct val="110000"/>
+              </a:lnSpc>
+              <a:buSzPct val="100000"/>
+              <a:buChar char="•"/>
+            </a:pPr>
+            <a:r>
+              <a:rPr lang="en-US" sz="1800" dirty="0">
+                <a:solidFill>
+                  <a:srgbClr val="000000"/>
+                </a:solidFill>
+              </a:rPr>
+              <a:t>OCR + PDF parsing pipeline (plans, specs, images)</a:t>
+            </a:r>
+            <a:endParaRPr lang="en-US" sz="1800" dirty="0"/>
+          </a:p>
+          <a:p>
+            <a:pPr marL="342900" indent="-342900">
+              <a:lnSpc>
+                <a:spcPct val="110000"/>
+              </a:lnSpc>
+              <a:buSzPct val="100000"/>
+              <a:buChar char="•"/>
+            </a:pPr>
+            <a:r>
+              <a:rPr lang="en-US" sz="1800" dirty="0">
+                <a:solidFill>
+                  <a:srgbClr val="000000"/>
+                </a:solidFill>
+              </a:rPr>
+              <a:t>Metadata tagging (rooms, trades, sheets, levels)</a:t>
+            </a:r>
+            <a:endParaRPr lang="en-US" sz="1800" dirty="0"/>
+          </a:p>
+          <a:p>
+            <a:pPr marL="342900" indent="-342900">
+              <a:lnSpc>
+                <a:spcPct val="110000"/>
+              </a:lnSpc>
+              <a:buSzPct val="100000"/>
+              <a:buChar char="•"/>
+            </a:pPr>
+            <a:r>
+              <a:rPr lang="en-US" sz="1800" dirty="0">
+                <a:solidFill>
+                  <a:srgbClr val="000000"/>
+                </a:solidFill>
+              </a:rPr>
+              <a:t>Chunking + embeddings for targeted retrieval</a:t>
+            </a:r>
+            <a:endParaRPr lang="en-US" sz="1800" dirty="0"/>
+          </a:p>
+          <a:p>
+            <a:pPr marL="342900" indent="-342900">
+              <a:lnSpc>
+                <a:spcPct val="110000"/>
+              </a:lnSpc>
+              <a:buSzPct val="100000"/>
+              <a:buChar char="•"/>
+            </a:pPr>
+            <a:r>
+              <a:rPr lang="en-US" sz="1800" dirty="0">
+                <a:solidFill>
+                  <a:srgbClr val="000000"/>
+                </a:solidFill>
+              </a:rPr>
+              <a:t>Vector search for semantic relevance</a:t>
+            </a:r>
+            <a:endParaRPr lang="en-US" sz="1800" dirty="0"/>
+          </a:p>
+          <a:p>
+            <a:pPr marL="342900" indent="-342900">
+              <a:lnSpc>
+                <a:spcPct val="110000"/>
+              </a:lnSpc>
+              <a:buSzPct val="100000"/>
+              <a:buChar char="•"/>
+            </a:pPr>
+            <a:r>
+              <a:rPr lang="en-US" sz="1800" dirty="0">
+                <a:solidFill>
+                  <a:srgbClr val="000000"/>
+                </a:solidFill>
+              </a:rPr>
+              <a:t>RAG with citations and evidence references</a:t>
+            </a:r>
+            <a:endParaRPr lang="en-US" sz="1800" dirty="0"/>
+          </a:p>
+          <a:p>
+            <a:pPr marL="342900" indent="-342900">
+              <a:lnSpc>
+                <a:spcPct val="110000"/>
+              </a:lnSpc>
+              <a:buSzPct val="100000"/>
+              <a:buChar char="•"/>
+            </a:pPr>
+            <a:r>
+              <a:rPr lang="en-US" sz="1800" dirty="0">
+                <a:solidFill>
+                  <a:srgbClr val="000000"/>
+                </a:solidFill>
+              </a:rPr>
+              <a:t>returns **stable, machine-consumable outputs**</a:t>
+            </a:r>
+            <a:endParaRPr lang="en-US" sz="1800" dirty="0"/>
+          </a:p>
+          <a:p>
+            <a:pPr marL="342900" indent="-342900">
+              <a:lnSpc>
+                <a:spcPct val="110000"/>
+              </a:lnSpc>
+              <a:buSzPct val="100000"/>
+              <a:buChar char="•"/>
+            </a:pPr>
+            <a:r>
+              <a:rPr lang="en-US" sz="1800" dirty="0">
+                <a:solidFill>
+                  <a:srgbClr val="000000"/>
+                </a:solidFill>
+              </a:rPr>
+              <a:t>supports **composable UI rendering**</a:t>
+            </a:r>
+            <a:endParaRPr lang="en-US" sz="1800" dirty="0"/>
+          </a:p>
+          <a:p>
+            <a:pPr marL="342900" indent="-342900">
+              <a:lnSpc>
+                <a:spcPct val="110000"/>
+              </a:lnSpc>
+              <a:buSzPct val="100000"/>
+              <a:buChar char="•"/>
+            </a:pPr>
+            <a:r>
+              <a:rPr lang="en-US" sz="1800" dirty="0">
+                <a:solidFill>
+                  <a:srgbClr val="000000"/>
+                </a:solidFill>
+              </a:rPr>
+              <a:t>avoids free-form hallucinated responses</a:t>
+            </a:r>
+            <a:endParaRPr lang="en-US" sz="1800" dirty="0"/>
+          </a:p>
+          <a:p>
+            <a:pPr marL="342900" indent="-342900">
+              <a:lnSpc>
+                <a:spcPct val="110000"/>
+              </a:lnSpc>
+              <a:buSzPct val="100000"/>
+              <a:buChar char="•"/>
+            </a:pPr>
+            <a:r>
+              <a:rPr lang="en-US" sz="1800" dirty="0">
+                <a:solidFill>
+                  <a:srgbClr val="000000"/>
+                </a:solidFill>
+              </a:rPr>
+              <a:t>integrates cleanly into planning &amp; budget workflows</a:t>
             </a:r>
             <a:endParaRPr lang="en-US" sz="1800" dirty="0"/>
           </a:p>
@@ -3276,7 +2710,7 @@
                   <a:srgbClr val="000000"/>
                 </a:solidFill>
               </a:rPr>
-              <a:t>3) System Overview</a:t>
+              <a:t>2) Knowledge Center &amp; Multimodal Ingestion</a:t>
             </a:r>
             <a:endParaRPr lang="en-US" sz="2800" dirty="0"/>
           </a:p>
@@ -3316,77 +2750,259 @@
                   <a:srgbClr val="000000"/>
                 </a:solidFill>
               </a:rPr>
-              <a:t>LLM Orchestration: LangChain with structured output enforcement.</a:t>
-            </a:r>
-            <a:pPr indent="0" marL="0">
-              <a:lnSpc>
-                <a:spcPct val="110000"/>
-              </a:lnSpc>
-              <a:buNone/>
-            </a:pPr>
-            <a:r>
-              <a:rPr lang="en-US" sz="1800" dirty="0">
-                <a:solidFill>
-                  <a:srgbClr val="000000"/>
-                </a:solidFill>
-              </a:rPr>
-              <a:t>Deterministic Parsing: Zod schemas to guarantee correct JSON shape.</a:t>
-            </a:r>
-            <a:pPr indent="0" marL="0">
-              <a:lnSpc>
-                <a:spcPct val="110000"/>
-              </a:lnSpc>
-              <a:buNone/>
-            </a:pPr>
-            <a:r>
-              <a:rPr lang="en-US" sz="1800" dirty="0">
-                <a:solidFill>
-                  <a:srgbClr val="000000"/>
-                </a:solidFill>
-              </a:rPr>
-              <a:t>Knowledge Center: OCR + PDF extraction → chunking → embeddings → vector search.</a:t>
-            </a:r>
-            <a:pPr indent="0" marL="0">
-              <a:lnSpc>
-                <a:spcPct val="110000"/>
-              </a:lnSpc>
-              <a:buNone/>
-            </a:pPr>
-            <a:r>
-              <a:rPr lang="en-US" sz="1800" dirty="0">
-                <a:solidFill>
-                  <a:srgbClr val="000000"/>
-                </a:solidFill>
-              </a:rPr>
-              <a:t>RAG: Retrieve relevant chunks with sources; cite evidence.</a:t>
-            </a:r>
-            <a:pPr indent="0" marL="0">
-              <a:lnSpc>
-                <a:spcPct val="110000"/>
-              </a:lnSpc>
-              <a:buNone/>
-            </a:pPr>
-            <a:r>
-              <a:rPr lang="en-US" sz="1800" dirty="0">
-                <a:solidFill>
-                  <a:srgbClr val="000000"/>
-                </a:solidFill>
-              </a:rPr>
-              <a:t>Rich UI: Structured chat responses (tables/options/follow-ups); planning + budget flows.</a:t>
-            </a:r>
-            <a:pPr indent="0" marL="0">
-              <a:lnSpc>
-                <a:spcPct val="110000"/>
-              </a:lnSpc>
-              <a:buNone/>
-            </a:pPr>
-            <a:r>
-              <a:rPr lang="en-US" sz="1800" dirty="0">
-                <a:solidFill>
-                  <a:srgbClr val="000000"/>
-                </a:solidFill>
-              </a:rPr>
-              <a:t>Screenshot: High-level architecture diagram.</a:t>
+              <a:t>plans &amp; blueprints (PDF)</a:t>
+            </a:r>
+            <a:endParaRPr lang="en-US" sz="1800" dirty="0"/>
+          </a:p>
+          <a:p>
+            <a:pPr marL="342900" indent="-342900">
+              <a:lnSpc>
+                <a:spcPct val="110000"/>
+              </a:lnSpc>
+              <a:buSzPct val="100000"/>
+              <a:buChar char="•"/>
+            </a:pPr>
+            <a:r>
+              <a:rPr lang="en-US" sz="1800" dirty="0">
+                <a:solidFill>
+                  <a:srgbClr val="000000"/>
+                </a:solidFill>
+              </a:rPr>
+              <a:t>images and annotated markups</a:t>
+            </a:r>
+            <a:endParaRPr lang="en-US" sz="1800" dirty="0"/>
+          </a:p>
+          <a:p>
+            <a:pPr marL="342900" indent="-342900">
+              <a:lnSpc>
+                <a:spcPct val="110000"/>
+              </a:lnSpc>
+              <a:buSzPct val="100000"/>
+              <a:buChar char="•"/>
+            </a:pPr>
+            <a:r>
+              <a:rPr lang="en-US" sz="1800" dirty="0">
+                <a:solidFill>
+                  <a:srgbClr val="000000"/>
+                </a:solidFill>
+              </a:rPr>
+              <a:t>trade documents</a:t>
+            </a:r>
+            <a:endParaRPr lang="en-US" sz="1800" dirty="0"/>
+          </a:p>
+          <a:p>
+            <a:pPr marL="342900" indent="-342900">
+              <a:lnSpc>
+                <a:spcPct val="110000"/>
+              </a:lnSpc>
+              <a:buSzPct val="100000"/>
+              <a:buChar char="•"/>
+            </a:pPr>
+            <a:r>
+              <a:rPr lang="en-US" sz="1800" dirty="0">
+                <a:solidFill>
+                  <a:srgbClr val="000000"/>
+                </a:solidFill>
+              </a:rPr>
+              <a:t>customer requirements</a:t>
+            </a:r>
+            <a:endParaRPr lang="en-US" sz="1800" dirty="0"/>
+          </a:p>
+          <a:p>
+            <a:pPr marL="342900" indent="-342900">
+              <a:lnSpc>
+                <a:spcPct val="110000"/>
+              </a:lnSpc>
+              <a:buSzPct val="100000"/>
+              <a:buChar char="•"/>
+            </a:pPr>
+            <a:r>
+              <a:rPr lang="en-US" sz="1800" dirty="0">
+                <a:solidFill>
+                  <a:srgbClr val="000000"/>
+                </a:solidFill>
+              </a:rPr>
+              <a:t>OCR + LLM parsing</a:t>
+            </a:r>
+            <a:endParaRPr lang="en-US" sz="1800" dirty="0"/>
+          </a:p>
+          <a:p>
+            <a:pPr marL="342900" indent="-342900">
+              <a:lnSpc>
+                <a:spcPct val="110000"/>
+              </a:lnSpc>
+              <a:buSzPct val="100000"/>
+              <a:buChar char="•"/>
+            </a:pPr>
+            <a:r>
+              <a:rPr lang="en-US" sz="1800" dirty="0">
+                <a:solidFill>
+                  <a:srgbClr val="000000"/>
+                </a:solidFill>
+              </a:rPr>
+              <a:t>text normalization</a:t>
+            </a:r>
+            <a:endParaRPr lang="en-US" sz="1800" dirty="0"/>
+          </a:p>
+          <a:p>
+            <a:pPr marL="342900" indent="-342900">
+              <a:lnSpc>
+                <a:spcPct val="110000"/>
+              </a:lnSpc>
+              <a:buSzPct val="100000"/>
+              <a:buChar char="•"/>
+            </a:pPr>
+            <a:r>
+              <a:rPr lang="en-US" sz="1800" dirty="0">
+                <a:solidFill>
+                  <a:srgbClr val="000000"/>
+                </a:solidFill>
+              </a:rPr>
+              <a:t>structural metadata extraction</a:t>
+            </a:r>
+            <a:endParaRPr lang="en-US" sz="1800" dirty="0"/>
+          </a:p>
+          <a:p>
+            <a:pPr marL="342900" indent="-342900">
+              <a:lnSpc>
+                <a:spcPct val="110000"/>
+              </a:lnSpc>
+              <a:buSzPct val="100000"/>
+              <a:buChar char="•"/>
+            </a:pPr>
+            <a:r>
+              <a:rPr lang="en-US" sz="1800" dirty="0">
+                <a:solidFill>
+                  <a:srgbClr val="000000"/>
+                </a:solidFill>
+              </a:rPr>
+              <a:t>chunking by:</a:t>
+            </a:r>
+            <a:endParaRPr lang="en-US" sz="1800" dirty="0"/>
+          </a:p>
+          <a:p>
+            <a:pPr marL="342900" indent="-342900">
+              <a:lnSpc>
+                <a:spcPct val="110000"/>
+              </a:lnSpc>
+              <a:buSzPct val="100000"/>
+              <a:buChar char="•"/>
+            </a:pPr>
+            <a:r>
+              <a:rPr lang="en-US" sz="1800" dirty="0">
+                <a:solidFill>
+                  <a:srgbClr val="000000"/>
+                </a:solidFill>
+              </a:rPr>
+              <a:t>home / project</a:t>
+            </a:r>
+            <a:endParaRPr lang="en-US" sz="1800" dirty="0"/>
+          </a:p>
+          <a:p>
+            <a:pPr marL="342900" indent="-342900">
+              <a:lnSpc>
+                <a:spcPct val="110000"/>
+              </a:lnSpc>
+              <a:buSzPct val="100000"/>
+              <a:buChar char="•"/>
+            </a:pPr>
+            <a:r>
+              <a:rPr lang="en-US" sz="1800" dirty="0">
+                <a:solidFill>
+                  <a:srgbClr val="000000"/>
+                </a:solidFill>
+              </a:rPr>
+              <a:t>trade</a:t>
+            </a:r>
+            <a:endParaRPr lang="en-US" sz="1800" dirty="0"/>
+          </a:p>
+          <a:p>
+            <a:pPr marL="342900" indent="-342900">
+              <a:lnSpc>
+                <a:spcPct val="110000"/>
+              </a:lnSpc>
+              <a:buSzPct val="100000"/>
+              <a:buChar char="•"/>
+            </a:pPr>
+            <a:r>
+              <a:rPr lang="en-US" sz="1800" dirty="0">
+                <a:solidFill>
+                  <a:srgbClr val="000000"/>
+                </a:solidFill>
+              </a:rPr>
+              <a:t>sheet / page</a:t>
+            </a:r>
+            <a:endParaRPr lang="en-US" sz="1800" dirty="0"/>
+          </a:p>
+          <a:p>
+            <a:pPr marL="342900" indent="-342900">
+              <a:lnSpc>
+                <a:spcPct val="110000"/>
+              </a:lnSpc>
+              <a:buSzPct val="100000"/>
+              <a:buChar char="•"/>
+            </a:pPr>
+            <a:r>
+              <a:rPr lang="en-US" sz="1800" dirty="0">
+                <a:solidFill>
+                  <a:srgbClr val="000000"/>
+                </a:solidFill>
+              </a:rPr>
+              <a:t>region (when coordinates exist)</a:t>
+            </a:r>
+            <a:endParaRPr lang="en-US" sz="1800" dirty="0"/>
+          </a:p>
+          <a:p>
+            <a:pPr marL="342900" indent="-342900">
+              <a:lnSpc>
+                <a:spcPct val="110000"/>
+              </a:lnSpc>
+              <a:buSzPct val="100000"/>
+              <a:buChar char="•"/>
+            </a:pPr>
+            <a:r>
+              <a:rPr lang="en-US" sz="1800" dirty="0">
+                <a:solidFill>
+                  <a:srgbClr val="000000"/>
+                </a:solidFill>
+              </a:rPr>
+              <a:t>high-precision retrieval</a:t>
+            </a:r>
+            <a:endParaRPr lang="en-US" sz="1800" dirty="0"/>
+          </a:p>
+          <a:p>
+            <a:pPr marL="342900" indent="-342900">
+              <a:lnSpc>
+                <a:spcPct val="110000"/>
+              </a:lnSpc>
+              <a:buSzPct val="100000"/>
+              <a:buChar char="•"/>
+            </a:pPr>
+            <a:r>
+              <a:rPr lang="en-US" sz="1800" dirty="0">
+                <a:solidFill>
+                  <a:srgbClr val="000000"/>
+                </a:solidFill>
+              </a:rPr>
+              <a:t>trade-specific context targeting</a:t>
+            </a:r>
+            <a:endParaRPr lang="en-US" sz="1800" dirty="0"/>
+          </a:p>
+          <a:p>
+            <a:pPr marL="342900" indent="-342900">
+              <a:lnSpc>
+                <a:spcPct val="110000"/>
+              </a:lnSpc>
+              <a:buSzPct val="100000"/>
+              <a:buChar char="•"/>
+            </a:pPr>
+            <a:r>
+              <a:rPr lang="en-US" sz="1800" dirty="0">
+                <a:solidFill>
+                  <a:srgbClr val="000000"/>
+                </a:solidFill>
+              </a:rPr>
+              <a:t>source-aware reasoning</a:t>
             </a:r>
             <a:endParaRPr lang="en-US" sz="1800" dirty="0"/>
           </a:p>
@@ -3447,7 +3063,7 @@
                   <a:srgbClr val="000000"/>
                 </a:solidFill>
               </a:rPr>
-              <a:t>4) Prompts Library</a:t>
+              <a:t>3) Structured RAG Responses</a:t>
             </a:r>
             <a:endParaRPr lang="en-US" sz="2800" dirty="0"/>
           </a:p>
@@ -3487,49 +3103,133 @@
                   <a:srgbClr val="000000"/>
                 </a:solidFill>
               </a:rPr>
-              <a:t>Centralized prompt keys for consistent authoring and reuse per workflow/trade.</a:t>
-            </a:r>
-            <a:pPr indent="0" marL="0">
-              <a:lnSpc>
-                <a:spcPct val="110000"/>
-              </a:lnSpc>
-              <a:buNone/>
-            </a:pPr>
-            <a:r>
-              <a:rPr lang="en-US" sz="1800" dirty="0">
-                <a:solidFill>
-                  <a:srgbClr val="000000"/>
-                </a:solidFill>
-              </a:rPr>
-              <a:t>Template variables and actions (analyze/compare/generate) with role/context guidance.</a:t>
-            </a:r>
-            <a:pPr indent="0" marL="0">
-              <a:lnSpc>
-                <a:spcPct val="110000"/>
-              </a:lnSpc>
-              <a:buNone/>
-            </a:pPr>
-            <a:r>
-              <a:rPr lang="en-US" sz="1800" dirty="0">
-                <a:solidFill>
-                  <a:srgbClr val="000000"/>
-                </a:solidFill>
-              </a:rPr>
-              <a:t>Versionable and testable prompts; agent-specific tuning.</a:t>
-            </a:r>
-            <a:pPr indent="0" marL="0">
-              <a:lnSpc>
-                <a:spcPct val="110000"/>
-              </a:lnSpc>
-              <a:buNone/>
-            </a:pPr>
-            <a:r>
-              <a:rPr lang="en-US" sz="1800" dirty="0">
-                <a:solidFill>
-                  <a:srgbClr val="000000"/>
-                </a:solidFill>
-              </a:rPr>
-              <a:t>Screenshot: Prompts admin/listing screen.</a:t>
+              <a:t>answer summary</a:t>
+            </a:r>
+            <a:endParaRPr lang="en-US" sz="1800" dirty="0"/>
+          </a:p>
+          <a:p>
+            <a:pPr marL="342900" indent="-342900">
+              <a:lnSpc>
+                <a:spcPct val="110000"/>
+              </a:lnSpc>
+              <a:buSzPct val="100000"/>
+              <a:buChar char="•"/>
+            </a:pPr>
+            <a:r>
+              <a:rPr lang="en-US" sz="1800" dirty="0">
+                <a:solidFill>
+                  <a:srgbClr val="000000"/>
+                </a:solidFill>
+              </a:rPr>
+              <a:t>comparison tables</a:t>
+            </a:r>
+            <a:endParaRPr lang="en-US" sz="1800" dirty="0"/>
+          </a:p>
+          <a:p>
+            <a:pPr marL="342900" indent="-342900">
+              <a:lnSpc>
+                <a:spcPct val="110000"/>
+              </a:lnSpc>
+              <a:buSzPct val="100000"/>
+              <a:buChar char="•"/>
+            </a:pPr>
+            <a:r>
+              <a:rPr lang="en-US" sz="1800" dirty="0">
+                <a:solidFill>
+                  <a:srgbClr val="000000"/>
+                </a:solidFill>
+              </a:rPr>
+              <a:t>option cards</a:t>
+            </a:r>
+            <a:endParaRPr lang="en-US" sz="1800" dirty="0"/>
+          </a:p>
+          <a:p>
+            <a:pPr marL="342900" indent="-342900">
+              <a:lnSpc>
+                <a:spcPct val="110000"/>
+              </a:lnSpc>
+              <a:buSzPct val="100000"/>
+              <a:buChar char="•"/>
+            </a:pPr>
+            <a:r>
+              <a:rPr lang="en-US" sz="1800" dirty="0">
+                <a:solidFill>
+                  <a:srgbClr val="000000"/>
+                </a:solidFill>
+              </a:rPr>
+              <a:t>follow-up actions</a:t>
+            </a:r>
+            <a:endParaRPr lang="en-US" sz="1800" dirty="0"/>
+          </a:p>
+          <a:p>
+            <a:pPr marL="342900" indent="-342900">
+              <a:lnSpc>
+                <a:spcPct val="110000"/>
+              </a:lnSpc>
+              <a:buSzPct val="100000"/>
+              <a:buChar char="•"/>
+            </a:pPr>
+            <a:r>
+              <a:rPr lang="en-US" sz="1800" dirty="0">
+                <a:solidFill>
+                  <a:srgbClr val="000000"/>
+                </a:solidFill>
+              </a:rPr>
+              <a:t>citations &amp; document references</a:t>
+            </a:r>
+            <a:endParaRPr lang="en-US" sz="1800" dirty="0"/>
+          </a:p>
+          <a:p>
+            <a:pPr marL="342900" indent="-342900">
+              <a:lnSpc>
+                <a:spcPct val="110000"/>
+              </a:lnSpc>
+              <a:buSzPct val="100000"/>
+              <a:buChar char="•"/>
+            </a:pPr>
+            <a:r>
+              <a:rPr lang="en-US" sz="1800" dirty="0">
+                <a:solidFill>
+                  <a:srgbClr val="000000"/>
+                </a:solidFill>
+              </a:rPr>
+              <a:t>explainable decisions</a:t>
+            </a:r>
+            <a:endParaRPr lang="en-US" sz="1800" dirty="0"/>
+          </a:p>
+          <a:p>
+            <a:pPr marL="342900" indent="-342900">
+              <a:lnSpc>
+                <a:spcPct val="110000"/>
+              </a:lnSpc>
+              <a:buSzPct val="100000"/>
+              <a:buChar char="•"/>
+            </a:pPr>
+            <a:r>
+              <a:rPr lang="en-US" sz="1800" dirty="0">
+                <a:solidFill>
+                  <a:srgbClr val="000000"/>
+                </a:solidFill>
+              </a:rPr>
+              <a:t>repeatable workflows</a:t>
+            </a:r>
+            <a:endParaRPr lang="en-US" sz="1800" dirty="0"/>
+          </a:p>
+          <a:p>
+            <a:pPr marL="342900" indent="-342900">
+              <a:lnSpc>
+                <a:spcPct val="110000"/>
+              </a:lnSpc>
+              <a:buSzPct val="100000"/>
+              <a:buChar char="•"/>
+            </a:pPr>
+            <a:r>
+              <a:rPr lang="en-US" sz="1800" dirty="0">
+                <a:solidFill>
+                  <a:srgbClr val="000000"/>
+                </a:solidFill>
+              </a:rPr>
+              <a:t>auditable rationale</a:t>
             </a:r>
             <a:endParaRPr lang="en-US" sz="1800" dirty="0"/>
           </a:p>
@@ -3590,7 +3290,7 @@
                   <a:srgbClr val="000000"/>
                 </a:solidFill>
               </a:rPr>
-              <a:t>5) Deterministic Output Parser (Structured JSON)</a:t>
+              <a:t>4) Plan Analysis + Requirements Fusion</a:t>
             </a:r>
             <a:endParaRPr lang="en-US" sz="2800" dirty="0"/>
           </a:p>
@@ -3630,63 +3330,187 @@
                   <a:srgbClr val="000000"/>
                 </a:solidFill>
               </a:rPr>
-              <a:t>Zod + LangChain `withStructuredOutput` to enforce strict schema.</a:t>
-            </a:r>
-            <a:pPr indent="0" marL="0">
-              <a:lnSpc>
-                <a:spcPct val="110000"/>
-              </a:lnSpc>
-              <a:buNone/>
-            </a:pPr>
-            <a:r>
-              <a:rPr lang="en-US" sz="1800" dirty="0">
-                <a:solidFill>
-                  <a:srgbClr val="000000"/>
-                </a:solidFill>
-              </a:rPr>
-              <a:t>Required fields by contract; nullable/defaults for optionality.</a:t>
-            </a:r>
-            <a:pPr indent="0" marL="0">
-              <a:lnSpc>
-                <a:spcPct val="110000"/>
-              </a:lnSpc>
-              <a:buNone/>
-            </a:pPr>
-            <a:r>
-              <a:rPr lang="en-US" sz="1800" dirty="0">
-                <a:solidFill>
-                  <a:srgbClr val="000000"/>
-                </a:solidFill>
-              </a:rPr>
-              <a:t>Schema: answer, comparisons (tables), options (cards), followUps, sources.</a:t>
-            </a:r>
-            <a:pPr indent="0" marL="0">
-              <a:lnSpc>
-                <a:spcPct val="110000"/>
-              </a:lnSpc>
-              <a:buNone/>
-            </a:pPr>
-            <a:r>
-              <a:rPr lang="en-US" sz="1800" dirty="0">
-                <a:solidFill>
-                  <a:srgbClr val="000000"/>
-                </a:solidFill>
-              </a:rPr>
-              <a:t>Backward compatibility: normalization when legacy fields differ.</a:t>
-            </a:r>
-            <a:pPr indent="0" marL="0">
-              <a:lnSpc>
-                <a:spcPct val="110000"/>
-              </a:lnSpc>
-              <a:buNone/>
-            </a:pPr>
-            <a:r>
-              <a:rPr lang="en-US" sz="1800" dirty="0">
-                <a:solidFill>
-                  <a:srgbClr val="000000"/>
-                </a:solidFill>
-              </a:rPr>
-              <a:t>Screenshot: Zod schema snippet and rendered rich response.</a:t>
+              <a:t>plan analysis results</a:t>
+            </a:r>
+            <a:endParaRPr lang="en-US" sz="1800" dirty="0"/>
+          </a:p>
+          <a:p>
+            <a:pPr marL="342900" indent="-342900">
+              <a:lnSpc>
+                <a:spcPct val="110000"/>
+              </a:lnSpc>
+              <a:buSzPct val="100000"/>
+              <a:buChar char="•"/>
+            </a:pPr>
+            <a:r>
+              <a:rPr lang="en-US" sz="1800" dirty="0">
+                <a:solidFill>
+                  <a:srgbClr val="000000"/>
+                </a:solidFill>
+              </a:rPr>
+              <a:t>customer-stated requirements</a:t>
+            </a:r>
+            <a:endParaRPr lang="en-US" sz="1800" dirty="0"/>
+          </a:p>
+          <a:p>
+            <a:pPr marL="342900" indent="-342900">
+              <a:lnSpc>
+                <a:spcPct val="110000"/>
+              </a:lnSpc>
+              <a:buSzPct val="100000"/>
+              <a:buChar char="•"/>
+            </a:pPr>
+            <a:r>
+              <a:rPr lang="en-US" sz="1800" dirty="0">
+                <a:solidFill>
+                  <a:srgbClr val="000000"/>
+                </a:solidFill>
+              </a:rPr>
+              <a:t>trade logic &amp; domain knowledge</a:t>
+            </a:r>
+            <a:endParaRPr lang="en-US" sz="1800" dirty="0"/>
+          </a:p>
+          <a:p>
+            <a:pPr marL="342900" indent="-342900">
+              <a:lnSpc>
+                <a:spcPct val="110000"/>
+              </a:lnSpc>
+              <a:buSzPct val="100000"/>
+              <a:buChar char="•"/>
+            </a:pPr>
+            <a:r>
+              <a:rPr lang="en-US" sz="1800" dirty="0">
+                <a:solidFill>
+                  <a:srgbClr val="000000"/>
+                </a:solidFill>
+              </a:rPr>
+              <a:t>room &amp; area detection</a:t>
+            </a:r>
+            <a:endParaRPr lang="en-US" sz="1800" dirty="0"/>
+          </a:p>
+          <a:p>
+            <a:pPr marL="342900" indent="-342900">
+              <a:lnSpc>
+                <a:spcPct val="110000"/>
+              </a:lnSpc>
+              <a:buSzPct val="100000"/>
+              <a:buChar char="•"/>
+            </a:pPr>
+            <a:r>
+              <a:rPr lang="en-US" sz="1800" dirty="0">
+                <a:solidFill>
+                  <a:srgbClr val="000000"/>
+                </a:solidFill>
+              </a:rPr>
+              <a:t>trade planning (HVAC zones / tonnage ranges)</a:t>
+            </a:r>
+            <a:endParaRPr lang="en-US" sz="1800" dirty="0"/>
+          </a:p>
+          <a:p>
+            <a:pPr marL="342900" indent="-342900">
+              <a:lnSpc>
+                <a:spcPct val="110000"/>
+              </a:lnSpc>
+              <a:buSzPct val="100000"/>
+              <a:buChar char="•"/>
+            </a:pPr>
+            <a:r>
+              <a:rPr lang="en-US" sz="1800" dirty="0">
+                <a:solidFill>
+                  <a:srgbClr val="000000"/>
+                </a:solidFill>
+              </a:rPr>
+              <a:t>capacity guidance</a:t>
+            </a:r>
+            <a:endParaRPr lang="en-US" sz="1800" dirty="0"/>
+          </a:p>
+          <a:p>
+            <a:pPr marL="342900" indent="-342900">
+              <a:lnSpc>
+                <a:spcPct val="110000"/>
+              </a:lnSpc>
+              <a:buSzPct val="100000"/>
+              <a:buChar char="•"/>
+            </a:pPr>
+            <a:r>
+              <a:rPr lang="en-US" sz="1800" dirty="0">
+                <a:solidFill>
+                  <a:srgbClr val="000000"/>
+                </a:solidFill>
+              </a:rPr>
+              <a:t>cost band estimation</a:t>
+            </a:r>
+            <a:endParaRPr lang="en-US" sz="1800" dirty="0"/>
+          </a:p>
+          <a:p>
+            <a:pPr marL="342900" indent="-342900">
+              <a:lnSpc>
+                <a:spcPct val="110000"/>
+              </a:lnSpc>
+              <a:buSzPct val="100000"/>
+              <a:buChar char="•"/>
+            </a:pPr>
+            <a:r>
+              <a:rPr lang="en-US" sz="1800" dirty="0">
+                <a:solidFill>
+                  <a:srgbClr val="000000"/>
+                </a:solidFill>
+              </a:rPr>
+              <a:t>recommended configuration options</a:t>
+            </a:r>
+            <a:endParaRPr lang="en-US" sz="1800" dirty="0"/>
+          </a:p>
+          <a:p>
+            <a:pPr marL="342900" indent="-342900">
+              <a:lnSpc>
+                <a:spcPct val="110000"/>
+              </a:lnSpc>
+              <a:buSzPct val="100000"/>
+              <a:buChar char="•"/>
+            </a:pPr>
+            <a:r>
+              <a:rPr lang="en-US" sz="1800" dirty="0">
+                <a:solidFill>
+                  <a:srgbClr val="000000"/>
+                </a:solidFill>
+              </a:rPr>
+              <a:t>structured planning summary</a:t>
+            </a:r>
+            <a:endParaRPr lang="en-US" sz="1800" dirty="0"/>
+          </a:p>
+          <a:p>
+            <a:pPr marL="342900" indent="-342900">
+              <a:lnSpc>
+                <a:spcPct val="110000"/>
+              </a:lnSpc>
+              <a:buSzPct val="100000"/>
+              <a:buChar char="•"/>
+            </a:pPr>
+            <a:r>
+              <a:rPr lang="en-US" sz="1800" dirty="0">
+                <a:solidFill>
+                  <a:srgbClr val="000000"/>
+                </a:solidFill>
+              </a:rPr>
+              <a:t>per-trade breakdown</a:t>
+            </a:r>
+            <a:endParaRPr lang="en-US" sz="1800" dirty="0"/>
+          </a:p>
+          <a:p>
+            <a:pPr marL="342900" indent="-342900">
+              <a:lnSpc>
+                <a:spcPct val="110000"/>
+              </a:lnSpc>
+              <a:buSzPct val="100000"/>
+              <a:buChar char="•"/>
+            </a:pPr>
+            <a:r>
+              <a:rPr lang="en-US" sz="1800" dirty="0">
+                <a:solidFill>
+                  <a:srgbClr val="000000"/>
+                </a:solidFill>
+              </a:rPr>
+              <a:t>cost &amp; execution guidance</a:t>
             </a:r>
             <a:endParaRPr lang="en-US" sz="1800" dirty="0"/>
           </a:p>
@@ -3747,7 +3571,7 @@
                   <a:srgbClr val="000000"/>
                 </a:solidFill>
               </a:rPr>
-              <a:t>6) Knowledge Center: OCR and PDF Extraction</a:t>
+              <a:t>5) Rich Structured Chat + Workflow UI</a:t>
             </a:r>
             <a:endParaRPr lang="en-US" sz="2800" dirty="0"/>
           </a:p>
@@ -3787,63 +3611,223 @@
                   <a:srgbClr val="000000"/>
                 </a:solidFill>
               </a:rPr>
-              <a:t>Multi-modal ingestion: PDFs (plans/specs) and images.</a:t>
-            </a:r>
-            <a:pPr indent="0" marL="0">
-              <a:lnSpc>
-                <a:spcPct val="110000"/>
-              </a:lnSpc>
-              <a:buNone/>
-            </a:pPr>
-            <a:r>
-              <a:rPr lang="en-US" sz="1800" dirty="0">
-                <a:solidFill>
-                  <a:srgbClr val="000000"/>
-                </a:solidFill>
-              </a:rPr>
-              <a:t>OCR and parsing (incl. LlamaParse) → clean text + structural metadata.</a:t>
-            </a:r>
-            <a:pPr indent="0" marL="0">
-              <a:lnSpc>
-                <a:spcPct val="110000"/>
-              </a:lnSpc>
-              <a:buNone/>
-            </a:pPr>
-            <a:r>
-              <a:rPr lang="en-US" sz="1800" dirty="0">
-                <a:solidFill>
-                  <a:srgbClr val="000000"/>
-                </a:solidFill>
-              </a:rPr>
-              <a:t>Chunking with metadata (home/trade/doc/page) for targeted retrieval.</a:t>
-            </a:r>
-            <a:pPr indent="0" marL="0">
-              <a:lnSpc>
-                <a:spcPct val="110000"/>
-              </a:lnSpc>
-              <a:buNone/>
-            </a:pPr>
-            <a:r>
-              <a:rPr lang="en-US" sz="1800" dirty="0">
-                <a:solidFill>
-                  <a:srgbClr val="000000"/>
-                </a:solidFill>
-              </a:rPr>
-              <a:t>Vector index with embeddings for semantic search.</a:t>
-            </a:r>
-            <a:pPr indent="0" marL="0">
-              <a:lnSpc>
-                <a:spcPct val="110000"/>
-              </a:lnSpc>
-              <a:buNone/>
-            </a:pPr>
-            <a:r>
-              <a:rPr lang="en-US" sz="1800" dirty="0">
-                <a:solidFill>
-                  <a:srgbClr val="000000"/>
-                </a:solidFill>
-              </a:rPr>
-              <a:t>Screenshot: Knowledge ingest log and document list.</a:t>
+              <a:t>comparison tables</a:t>
+            </a:r>
+            <a:endParaRPr lang="en-US" sz="1800" dirty="0"/>
+          </a:p>
+          <a:p>
+            <a:pPr marL="342900" indent="-342900">
+              <a:lnSpc>
+                <a:spcPct val="110000"/>
+              </a:lnSpc>
+              <a:buSzPct val="100000"/>
+              <a:buChar char="•"/>
+            </a:pPr>
+            <a:r>
+              <a:rPr lang="en-US" sz="1800" dirty="0">
+                <a:solidFill>
+                  <a:srgbClr val="000000"/>
+                </a:solidFill>
+              </a:rPr>
+              <a:t>option cards (pros / cons / attributes / ranges)</a:t>
+            </a:r>
+            <a:endParaRPr lang="en-US" sz="1800" dirty="0"/>
+          </a:p>
+          <a:p>
+            <a:pPr marL="342900" indent="-342900">
+              <a:lnSpc>
+                <a:spcPct val="110000"/>
+              </a:lnSpc>
+              <a:buSzPct val="100000"/>
+              <a:buChar char="•"/>
+            </a:pPr>
+            <a:r>
+              <a:rPr lang="en-US" sz="1800" dirty="0">
+                <a:solidFill>
+                  <a:srgbClr val="000000"/>
+                </a:solidFill>
+              </a:rPr>
+              <a:t>follow-up prompts as action chips</a:t>
+            </a:r>
+            <a:endParaRPr lang="en-US" sz="1800" dirty="0"/>
+          </a:p>
+          <a:p>
+            <a:pPr marL="342900" indent="-342900">
+              <a:lnSpc>
+                <a:spcPct val="110000"/>
+              </a:lnSpc>
+              <a:buSzPct val="100000"/>
+              <a:buChar char="•"/>
+            </a:pPr>
+            <a:r>
+              <a:rPr lang="en-US" sz="1800" dirty="0">
+                <a:solidFill>
+                  <a:srgbClr val="000000"/>
+                </a:solidFill>
+              </a:rPr>
+              <a:t>planning → budgeting workflow transitions</a:t>
+            </a:r>
+            <a:endParaRPr lang="en-US" sz="1800" dirty="0"/>
+          </a:p>
+          <a:p>
+            <a:pPr marL="342900" indent="-342900">
+              <a:lnSpc>
+                <a:spcPct val="110000"/>
+              </a:lnSpc>
+              <a:buSzPct val="100000"/>
+              <a:buChar char="•"/>
+            </a:pPr>
+            <a:r>
+              <a:rPr lang="en-US" sz="1800" dirty="0">
+                <a:solidFill>
+                  <a:srgbClr val="000000"/>
+                </a:solidFill>
+              </a:rPr>
+              <a:t>refine decisions</a:t>
+            </a:r>
+            <a:endParaRPr lang="en-US" sz="1800" dirty="0"/>
+          </a:p>
+          <a:p>
+            <a:pPr marL="342900" indent="-342900">
+              <a:lnSpc>
+                <a:spcPct val="110000"/>
+              </a:lnSpc>
+              <a:buSzPct val="100000"/>
+              <a:buChar char="•"/>
+            </a:pPr>
+            <a:r>
+              <a:rPr lang="en-US" sz="1800" dirty="0">
+                <a:solidFill>
+                  <a:srgbClr val="000000"/>
+                </a:solidFill>
+              </a:rPr>
+              <a:t>branch scenarios</a:t>
+            </a:r>
+            <a:endParaRPr lang="en-US" sz="1800" dirty="0"/>
+          </a:p>
+          <a:p>
+            <a:pPr marL="342900" indent="-342900">
+              <a:lnSpc>
+                <a:spcPct val="110000"/>
+              </a:lnSpc>
+              <a:buSzPct val="100000"/>
+              <a:buChar char="•"/>
+            </a:pPr>
+            <a:r>
+              <a:rPr lang="en-US" sz="1800" dirty="0">
+                <a:solidFill>
+                  <a:srgbClr val="000000"/>
+                </a:solidFill>
+              </a:rPr>
+              <a:t>attach docs &amp; plans</a:t>
+            </a:r>
+            <a:endParaRPr lang="en-US" sz="1800" dirty="0"/>
+          </a:p>
+          <a:p>
+            <a:pPr marL="342900" indent="-342900">
+              <a:lnSpc>
+                <a:spcPct val="110000"/>
+              </a:lnSpc>
+              <a:buSzPct val="100000"/>
+              <a:buChar char="•"/>
+            </a:pPr>
+            <a:r>
+              <a:rPr lang="en-US" sz="1800" dirty="0">
+                <a:solidFill>
+                  <a:srgbClr val="000000"/>
+                </a:solidFill>
+              </a:rPr>
+              <a:t>move outputs into budgeting</a:t>
+            </a:r>
+            <a:endParaRPr lang="en-US" sz="1800" dirty="0"/>
+          </a:p>
+          <a:p>
+            <a:pPr marL="342900" indent="-342900">
+              <a:lnSpc>
+                <a:spcPct val="110000"/>
+              </a:lnSpc>
+              <a:buSzPct val="100000"/>
+              <a:buChar char="•"/>
+            </a:pPr>
+            <a:r>
+              <a:rPr lang="en-US" sz="1800" dirty="0">
+                <a:solidFill>
+                  <a:srgbClr val="000000"/>
+                </a:solidFill>
+              </a:rPr>
+              <a:t>Vision AI</a:t>
+            </a:r>
+            <a:endParaRPr lang="en-US" sz="1800" dirty="0"/>
+          </a:p>
+          <a:p>
+            <a:pPr marL="342900" indent="-342900">
+              <a:lnSpc>
+                <a:spcPct val="110000"/>
+              </a:lnSpc>
+              <a:buSzPct val="100000"/>
+              <a:buChar char="•"/>
+            </a:pPr>
+            <a:r>
+              <a:rPr lang="en-US" sz="1800" dirty="0">
+                <a:solidFill>
+                  <a:srgbClr val="000000"/>
+                </a:solidFill>
+              </a:rPr>
+              <a:t>IoT &amp; sensor telemetry</a:t>
+            </a:r>
+            <a:endParaRPr lang="en-US" sz="1800" dirty="0"/>
+          </a:p>
+          <a:p>
+            <a:pPr marL="342900" indent="-342900">
+              <a:lnSpc>
+                <a:spcPct val="110000"/>
+              </a:lnSpc>
+              <a:buSzPct val="100000"/>
+              <a:buChar char="•"/>
+            </a:pPr>
+            <a:r>
+              <a:rPr lang="en-US" sz="1800" dirty="0">
+                <a:solidFill>
+                  <a:srgbClr val="000000"/>
+                </a:solidFill>
+              </a:rPr>
+              <a:t>crowd &amp; traffic analytics</a:t>
+            </a:r>
+            <a:endParaRPr lang="en-US" sz="1800" dirty="0"/>
+          </a:p>
+          <a:p>
+            <a:pPr marL="342900" indent="-342900">
+              <a:lnSpc>
+                <a:spcPct val="110000"/>
+              </a:lnSpc>
+              <a:buSzPct val="100000"/>
+              <a:buChar char="•"/>
+            </a:pPr>
+            <a:r>
+              <a:rPr lang="en-US" sz="1800" dirty="0">
+                <a:solidFill>
+                  <a:srgbClr val="000000"/>
+                </a:solidFill>
+              </a:rPr>
+              <a:t>incident detection &amp; correlation</a:t>
+            </a:r>
+            <a:endParaRPr lang="en-US" sz="1800" dirty="0"/>
+          </a:p>
+          <a:p>
+            <a:pPr marL="342900" indent="-342900">
+              <a:lnSpc>
+                <a:spcPct val="110000"/>
+              </a:lnSpc>
+              <a:buSzPct val="100000"/>
+              <a:buChar char="•"/>
+            </a:pPr>
+            <a:r>
+              <a:rPr lang="en-US" sz="1800" dirty="0">
+                <a:solidFill>
+                  <a:srgbClr val="000000"/>
+                </a:solidFill>
+              </a:rPr>
+              <a:t>AI-assisted operator workflows</a:t>
             </a:r>
             <a:endParaRPr lang="en-US" sz="1800" dirty="0"/>
           </a:p>
@@ -3904,7 +3888,7 @@
                   <a:srgbClr val="000000"/>
                 </a:solidFill>
               </a:rPr>
-              <a:t>7) Retrieval-Augmented Generation (RAG)</a:t>
+              <a:t>1) Smart-City Data Fusion Core</a:t>
             </a:r>
             <a:endParaRPr lang="en-US" sz="2800" dirty="0"/>
           </a:p>
@@ -3944,49 +3928,223 @@
                   <a:srgbClr val="000000"/>
                 </a:solidFill>
               </a:rPr>
-              <a:t>Build queries from user prompt + selected documents/context.</a:t>
-            </a:r>
-            <a:pPr indent="0" marL="0">
-              <a:lnSpc>
-                <a:spcPct val="110000"/>
-              </a:lnSpc>
-              <a:buNone/>
-            </a:pPr>
-            <a:r>
-              <a:rPr lang="en-US" sz="1800" dirty="0">
-                <a:solidFill>
-                  <a:srgbClr val="000000"/>
-                </a:solidFill>
-              </a:rPr>
-              <a:t>Retrieve top-k semantic chunks; pack context window with sources.</a:t>
-            </a:r>
-            <a:pPr indent="0" marL="0">
-              <a:lnSpc>
-                <a:spcPct val="110000"/>
-              </a:lnSpc>
-              <a:buNone/>
-            </a:pPr>
-            <a:r>
-              <a:rPr lang="en-US" sz="1800" dirty="0">
-                <a:solidFill>
-                  <a:srgbClr val="000000"/>
-                </a:solidFill>
-              </a:rPr>
-              <a:t>Answers return citations; UI shows source titles/links.</a:t>
-            </a:r>
-            <a:pPr indent="0" marL="0">
-              <a:lnSpc>
-                <a:spcPct val="110000"/>
-              </a:lnSpc>
-              <a:buNone/>
-            </a:pPr>
-            <a:r>
-              <a:rPr lang="en-US" sz="1800" dirty="0">
-                <a:solidFill>
-                  <a:srgbClr val="000000"/>
-                </a:solidFill>
-              </a:rPr>
-              <a:t>Screenshot: Chat response with sources; “View source” demo.</a:t>
+              <a:t>camera snapshots &amp; detections</a:t>
+            </a:r>
+            <a:endParaRPr lang="en-US" sz="1800" dirty="0"/>
+          </a:p>
+          <a:p>
+            <a:pPr marL="342900" indent="-342900">
+              <a:lnSpc>
+                <a:spcPct val="110000"/>
+              </a:lnSpc>
+              <a:buSzPct val="100000"/>
+              <a:buChar char="•"/>
+            </a:pPr>
+            <a:r>
+              <a:rPr lang="en-US" sz="1800" dirty="0">
+                <a:solidFill>
+                  <a:srgbClr val="000000"/>
+                </a:solidFill>
+              </a:rPr>
+              <a:t>incident clips</a:t>
+            </a:r>
+            <a:endParaRPr lang="en-US" sz="1800" dirty="0"/>
+          </a:p>
+          <a:p>
+            <a:pPr marL="342900" indent="-342900">
+              <a:lnSpc>
+                <a:spcPct val="110000"/>
+              </a:lnSpc>
+              <a:buSzPct val="100000"/>
+              <a:buChar char="•"/>
+            </a:pPr>
+            <a:r>
+              <a:rPr lang="en-US" sz="1800" dirty="0">
+                <a:solidFill>
+                  <a:srgbClr val="000000"/>
+                </a:solidFill>
+              </a:rPr>
+              <a:t>IoT telemetry streams</a:t>
+            </a:r>
+            <a:endParaRPr lang="en-US" sz="1800" dirty="0"/>
+          </a:p>
+          <a:p>
+            <a:pPr marL="342900" indent="-342900">
+              <a:lnSpc>
+                <a:spcPct val="110000"/>
+              </a:lnSpc>
+              <a:buSzPct val="100000"/>
+              <a:buChar char="•"/>
+            </a:pPr>
+            <a:r>
+              <a:rPr lang="en-US" sz="1800" dirty="0">
+                <a:solidFill>
+                  <a:srgbClr val="000000"/>
+                </a:solidFill>
+              </a:rPr>
+              <a:t>asset &amp; zone metadata</a:t>
+            </a:r>
+            <a:endParaRPr lang="en-US" sz="1800" dirty="0"/>
+          </a:p>
+          <a:p>
+            <a:pPr marL="342900" indent="-342900">
+              <a:lnSpc>
+                <a:spcPct val="110000"/>
+              </a:lnSpc>
+              <a:buSzPct val="100000"/>
+              <a:buChar char="•"/>
+            </a:pPr>
+            <a:r>
+              <a:rPr lang="en-US" sz="1800" dirty="0">
+                <a:solidFill>
+                  <a:srgbClr val="000000"/>
+                </a:solidFill>
+              </a:rPr>
+              <a:t>historical event logs</a:t>
+            </a:r>
+            <a:endParaRPr lang="en-US" sz="1800" dirty="0"/>
+          </a:p>
+          <a:p>
+            <a:pPr marL="342900" indent="-342900">
+              <a:lnSpc>
+                <a:spcPct val="110000"/>
+              </a:lnSpc>
+              <a:buSzPct val="100000"/>
+              <a:buChar char="•"/>
+            </a:pPr>
+            <a:r>
+              <a:rPr lang="en-US" sz="1800" dirty="0">
+                <a:solidFill>
+                  <a:srgbClr val="000000"/>
+                </a:solidFill>
+              </a:rPr>
+              <a:t>assets</a:t>
+            </a:r>
+            <a:endParaRPr lang="en-US" sz="1800" dirty="0"/>
+          </a:p>
+          <a:p>
+            <a:pPr marL="342900" indent="-342900">
+              <a:lnSpc>
+                <a:spcPct val="110000"/>
+              </a:lnSpc>
+              <a:buSzPct val="100000"/>
+              <a:buChar char="•"/>
+            </a:pPr>
+            <a:r>
+              <a:rPr lang="en-US" sz="1800" dirty="0">
+                <a:solidFill>
+                  <a:srgbClr val="000000"/>
+                </a:solidFill>
+              </a:rPr>
+              <a:t>zones</a:t>
+            </a:r>
+            <a:endParaRPr lang="en-US" sz="1800" dirty="0"/>
+          </a:p>
+          <a:p>
+            <a:pPr marL="342900" indent="-342900">
+              <a:lnSpc>
+                <a:spcPct val="110000"/>
+              </a:lnSpc>
+              <a:buSzPct val="100000"/>
+              <a:buChar char="•"/>
+            </a:pPr>
+            <a:r>
+              <a:rPr lang="en-US" sz="1800" dirty="0">
+                <a:solidFill>
+                  <a:srgbClr val="000000"/>
+                </a:solidFill>
+              </a:rPr>
+              <a:t>cameras</a:t>
+            </a:r>
+            <a:endParaRPr lang="en-US" sz="1800" dirty="0"/>
+          </a:p>
+          <a:p>
+            <a:pPr marL="342900" indent="-342900">
+              <a:lnSpc>
+                <a:spcPct val="110000"/>
+              </a:lnSpc>
+              <a:buSzPct val="100000"/>
+              <a:buChar char="•"/>
+            </a:pPr>
+            <a:r>
+              <a:rPr lang="en-US" sz="1800" dirty="0">
+                <a:solidFill>
+                  <a:srgbClr val="000000"/>
+                </a:solidFill>
+              </a:rPr>
+              <a:t>events</a:t>
+            </a:r>
+            <a:endParaRPr lang="en-US" sz="1800" dirty="0"/>
+          </a:p>
+          <a:p>
+            <a:pPr marL="342900" indent="-342900">
+              <a:lnSpc>
+                <a:spcPct val="110000"/>
+              </a:lnSpc>
+              <a:buSzPct val="100000"/>
+              <a:buChar char="•"/>
+            </a:pPr>
+            <a:r>
+              <a:rPr lang="en-US" sz="1800" dirty="0">
+                <a:solidFill>
+                  <a:srgbClr val="000000"/>
+                </a:solidFill>
+              </a:rPr>
+              <a:t>time-series traces</a:t>
+            </a:r>
+            <a:endParaRPr lang="en-US" sz="1800" dirty="0"/>
+          </a:p>
+          <a:p>
+            <a:pPr marL="342900" indent="-342900">
+              <a:lnSpc>
+                <a:spcPct val="110000"/>
+              </a:lnSpc>
+              <a:buSzPct val="100000"/>
+              <a:buChar char="•"/>
+            </a:pPr>
+            <a:r>
+              <a:rPr lang="en-US" sz="1800" dirty="0">
+                <a:solidFill>
+                  <a:srgbClr val="000000"/>
+                </a:solidFill>
+              </a:rPr>
+              <a:t>real-time situational awareness</a:t>
+            </a:r>
+            <a:endParaRPr lang="en-US" sz="1800" dirty="0"/>
+          </a:p>
+          <a:p>
+            <a:pPr marL="342900" indent="-342900">
+              <a:lnSpc>
+                <a:spcPct val="110000"/>
+              </a:lnSpc>
+              <a:buSzPct val="100000"/>
+              <a:buChar char="•"/>
+            </a:pPr>
+            <a:r>
+              <a:rPr lang="en-US" sz="1800" dirty="0">
+                <a:solidFill>
+                  <a:srgbClr val="000000"/>
+                </a:solidFill>
+              </a:rPr>
+              <a:t>correlation analysis</a:t>
+            </a:r>
+            <a:endParaRPr lang="en-US" sz="1800" dirty="0"/>
+          </a:p>
+          <a:p>
+            <a:pPr marL="342900" indent="-342900">
+              <a:lnSpc>
+                <a:spcPct val="110000"/>
+              </a:lnSpc>
+              <a:buSzPct val="100000"/>
+              <a:buChar char="•"/>
+            </a:pPr>
+            <a:r>
+              <a:rPr lang="en-US" sz="1800" dirty="0">
+                <a:solidFill>
+                  <a:srgbClr val="000000"/>
+                </a:solidFill>
+              </a:rPr>
+              <a:t>temporal pattern discovery</a:t>
             </a:r>
             <a:endParaRPr lang="en-US" sz="1800" dirty="0"/>
           </a:p>
@@ -4047,7 +4205,7 @@
                   <a:srgbClr val="000000"/>
                 </a:solidFill>
               </a:rPr>
-              <a:t>8) Customized Chat Window (Rich, Structured UI)</a:t>
+              <a:t>2) Vision AI Capabilities</a:t>
             </a:r>
             <a:endParaRPr lang="en-US" sz="2800" dirty="0"/>
           </a:p>
@@ -4087,49 +4245,187 @@
                   <a:srgbClr val="000000"/>
                 </a:solidFill>
               </a:rPr>
-              <a:t>Structured JSON → UI renders tables (comparisons), option cards (pros/cons/attributes/cost), follow-up question chips.</a:t>
-            </a:r>
-            <a:pPr indent="0" marL="0">
-              <a:lnSpc>
-                <a:spcPct val="110000"/>
-              </a:lnSpc>
-              <a:buNone/>
-            </a:pPr>
-            <a:r>
-              <a:rPr lang="en-US" sz="1800" dirty="0">
-                <a:solidFill>
-                  <a:srgbClr val="000000"/>
-                </a:solidFill>
-              </a:rPr>
-              <a:t>Event-driven UX: clicking follow-ups sends templated prompts; easy workflow chaining.</a:t>
-            </a:r>
-            <a:pPr indent="0" marL="0">
-              <a:lnSpc>
-                <a:spcPct val="110000"/>
-              </a:lnSpc>
-              <a:buNone/>
-            </a:pPr>
-            <a:r>
-              <a:rPr lang="en-US" sz="1800" dirty="0">
-                <a:solidFill>
-                  <a:srgbClr val="000000"/>
-                </a:solidFill>
-              </a:rPr>
-              <a:t>Multimodal: Optionally include images/PDFs for plan analysis.</a:t>
-            </a:r>
-            <a:pPr indent="0" marL="0">
-              <a:lnSpc>
-                <a:spcPct val="110000"/>
-              </a:lnSpc>
-              <a:buNone/>
-            </a:pPr>
-            <a:r>
-              <a:rPr lang="en-US" sz="1800" dirty="0">
-                <a:solidFill>
-                  <a:srgbClr val="000000"/>
-                </a:solidFill>
-              </a:rPr>
-              <a:t>Screenshot: Chat UI with comparisons, options, and follow-ups.</a:t>
+              <a:t>crowd density estimation</a:t>
+            </a:r>
+            <a:endParaRPr lang="en-US" sz="1800" dirty="0"/>
+          </a:p>
+          <a:p>
+            <a:pPr marL="342900" indent="-342900">
+              <a:lnSpc>
+                <a:spcPct val="110000"/>
+              </a:lnSpc>
+              <a:buSzPct val="100000"/>
+              <a:buChar char="•"/>
+            </a:pPr>
+            <a:r>
+              <a:rPr lang="en-US" sz="1800" dirty="0">
+                <a:solidFill>
+                  <a:srgbClr val="000000"/>
+                </a:solidFill>
+              </a:rPr>
+              <a:t>queue &amp; congestion analytics</a:t>
+            </a:r>
+            <a:endParaRPr lang="en-US" sz="1800" dirty="0"/>
+          </a:p>
+          <a:p>
+            <a:pPr marL="342900" indent="-342900">
+              <a:lnSpc>
+                <a:spcPct val="110000"/>
+              </a:lnSpc>
+              <a:buSzPct val="100000"/>
+              <a:buChar char="•"/>
+            </a:pPr>
+            <a:r>
+              <a:rPr lang="en-US" sz="1800" dirty="0">
+                <a:solidFill>
+                  <a:srgbClr val="000000"/>
+                </a:solidFill>
+              </a:rPr>
+              <a:t>pedestrian–vehicle interaction awareness</a:t>
+            </a:r>
+            <a:endParaRPr lang="en-US" sz="1800" dirty="0"/>
+          </a:p>
+          <a:p>
+            <a:pPr marL="342900" indent="-342900">
+              <a:lnSpc>
+                <a:spcPct val="110000"/>
+              </a:lnSpc>
+              <a:buSzPct val="100000"/>
+              <a:buChar char="•"/>
+            </a:pPr>
+            <a:r>
+              <a:rPr lang="en-US" sz="1800" dirty="0">
+                <a:solidFill>
+                  <a:srgbClr val="000000"/>
+                </a:solidFill>
+              </a:rPr>
+              <a:t>risk-zone monitoring</a:t>
+            </a:r>
+            <a:endParaRPr lang="en-US" sz="1800" dirty="0"/>
+          </a:p>
+          <a:p>
+            <a:pPr marL="342900" indent="-342900">
+              <a:lnSpc>
+                <a:spcPct val="110000"/>
+              </a:lnSpc>
+              <a:buSzPct val="100000"/>
+              <a:buChar char="•"/>
+            </a:pPr>
+            <a:r>
+              <a:rPr lang="en-US" sz="1800" dirty="0">
+                <a:solidFill>
+                  <a:srgbClr val="000000"/>
+                </a:solidFill>
+              </a:rPr>
+              <a:t>near-miss event detection</a:t>
+            </a:r>
+            <a:endParaRPr lang="en-US" sz="1800" dirty="0"/>
+          </a:p>
+          <a:p>
+            <a:pPr marL="342900" indent="-342900">
+              <a:lnSpc>
+                <a:spcPct val="110000"/>
+              </a:lnSpc>
+              <a:buSzPct val="100000"/>
+              <a:buChar char="•"/>
+            </a:pPr>
+            <a:r>
+              <a:rPr lang="en-US" sz="1800" dirty="0">
+                <a:solidFill>
+                  <a:srgbClr val="000000"/>
+                </a:solidFill>
+              </a:rPr>
+              <a:t>safety hazard indicators</a:t>
+            </a:r>
+            <a:endParaRPr lang="en-US" sz="1800" dirty="0"/>
+          </a:p>
+          <a:p>
+            <a:pPr marL="342900" indent="-342900">
+              <a:lnSpc>
+                <a:spcPct val="110000"/>
+              </a:lnSpc>
+              <a:buSzPct val="100000"/>
+              <a:buChar char="•"/>
+            </a:pPr>
+            <a:r>
+              <a:rPr lang="en-US" sz="1800" dirty="0">
+                <a:solidFill>
+                  <a:srgbClr val="000000"/>
+                </a:solidFill>
+              </a:rPr>
+              <a:t>event type</a:t>
+            </a:r>
+            <a:endParaRPr lang="en-US" sz="1800" dirty="0"/>
+          </a:p>
+          <a:p>
+            <a:pPr marL="342900" indent="-342900">
+              <a:lnSpc>
+                <a:spcPct val="110000"/>
+              </a:lnSpc>
+              <a:buSzPct val="100000"/>
+              <a:buChar char="•"/>
+            </a:pPr>
+            <a:r>
+              <a:rPr lang="en-US" sz="1800" dirty="0">
+                <a:solidFill>
+                  <a:srgbClr val="000000"/>
+                </a:solidFill>
+              </a:rPr>
+              <a:t>confidence score</a:t>
+            </a:r>
+            <a:endParaRPr lang="en-US" sz="1800" dirty="0"/>
+          </a:p>
+          <a:p>
+            <a:pPr marL="342900" indent="-342900">
+              <a:lnSpc>
+                <a:spcPct val="110000"/>
+              </a:lnSpc>
+              <a:buSzPct val="100000"/>
+              <a:buChar char="•"/>
+            </a:pPr>
+            <a:r>
+              <a:rPr lang="en-US" sz="1800" dirty="0">
+                <a:solidFill>
+                  <a:srgbClr val="000000"/>
+                </a:solidFill>
+              </a:rPr>
+              <a:t>affected assets / zones</a:t>
+            </a:r>
+            <a:endParaRPr lang="en-US" sz="1800" dirty="0"/>
+          </a:p>
+          <a:p>
+            <a:pPr marL="342900" indent="-342900">
+              <a:lnSpc>
+                <a:spcPct val="110000"/>
+              </a:lnSpc>
+              <a:buSzPct val="100000"/>
+              <a:buChar char="•"/>
+            </a:pPr>
+            <a:r>
+              <a:rPr lang="en-US" sz="1800" dirty="0">
+                <a:solidFill>
+                  <a:srgbClr val="000000"/>
+                </a:solidFill>
+              </a:rPr>
+              <a:t>severity level</a:t>
+            </a:r>
+            <a:endParaRPr lang="en-US" sz="1800" dirty="0"/>
+          </a:p>
+          <a:p>
+            <a:pPr marL="342900" indent="-342900">
+              <a:lnSpc>
+                <a:spcPct val="110000"/>
+              </a:lnSpc>
+              <a:buSzPct val="100000"/>
+              <a:buChar char="•"/>
+            </a:pPr>
+            <a:r>
+              <a:rPr lang="en-US" sz="1800" dirty="0">
+                <a:solidFill>
+                  <a:srgbClr val="000000"/>
+                </a:solidFill>
+              </a:rPr>
+              <a:t>recommended operator actions</a:t>
             </a:r>
             <a:endParaRPr lang="en-US" sz="1800" dirty="0"/>
           </a:p>
@@ -4190,7 +4486,7 @@
                   <a:srgbClr val="000000"/>
                 </a:solidFill>
               </a:rPr>
-              <a:t>9) Plan Analysis + Requirements Fusion</a:t>
+              <a:t>3) GenAI-Driven Incident Intelligence</a:t>
             </a:r>
             <a:endParaRPr lang="en-US" sz="2800" dirty="0"/>
           </a:p>
@@ -4230,49 +4526,151 @@
                   <a:srgbClr val="000000"/>
                 </a:solidFill>
               </a:rPr>
-              <a:t>Architecture Analysis: detect rooms, areas, and metadata from plans.</a:t>
-            </a:r>
-            <a:pPr indent="0" marL="0">
-              <a:lnSpc>
-                <a:spcPct val="110000"/>
-              </a:lnSpc>
-              <a:buNone/>
-            </a:pPr>
-            <a:r>
-              <a:rPr lang="en-US" sz="1800" dirty="0">
-                <a:solidFill>
-                  <a:srgbClr val="000000"/>
-                </a:solidFill>
-              </a:rPr>
-              <a:t>Trade Planning (e.g., HVAC): zones, capacity (tons), cost ranges, brand guidance.</a:t>
-            </a:r>
-            <a:pPr indent="0" marL="0">
-              <a:lnSpc>
-                <a:spcPct val="110000"/>
-              </a:lnSpc>
-              <a:buNone/>
-            </a:pPr>
-            <a:r>
-              <a:rPr lang="en-US" sz="1800" dirty="0">
-                <a:solidFill>
-                  <a:srgbClr val="000000"/>
-                </a:solidFill>
-              </a:rPr>
-              <a:t>Merge explicit customer requirements to tailor options and recommendations.</a:t>
-            </a:r>
-            <a:pPr indent="0" marL="0">
-              <a:lnSpc>
-                <a:spcPct val="110000"/>
-              </a:lnSpc>
-              <a:buNone/>
-            </a:pPr>
-            <a:r>
-              <a:rPr lang="en-US" sz="1800" dirty="0">
-                <a:solidFill>
-                  <a:srgbClr val="000000"/>
-                </a:solidFill>
-              </a:rPr>
-              <a:t>Screenshot: Planning screen showing detected rooms and trade recommendations.</a:t>
+              <a:t>explains what happened</a:t>
+            </a:r>
+            <a:endParaRPr lang="en-US" sz="1800" dirty="0"/>
+          </a:p>
+          <a:p>
+            <a:pPr marL="342900" indent="-342900">
+              <a:lnSpc>
+                <a:spcPct val="110000"/>
+              </a:lnSpc>
+              <a:buSzPct val="100000"/>
+              <a:buChar char="•"/>
+            </a:pPr>
+            <a:r>
+              <a:rPr lang="en-US" sz="1800" dirty="0">
+                <a:solidFill>
+                  <a:srgbClr val="000000"/>
+                </a:solidFill>
+              </a:rPr>
+              <a:t>correlates across cameras + sensors</a:t>
+            </a:r>
+            <a:endParaRPr lang="en-US" sz="1800" dirty="0"/>
+          </a:p>
+          <a:p>
+            <a:pPr marL="342900" indent="-342900">
+              <a:lnSpc>
+                <a:spcPct val="110000"/>
+              </a:lnSpc>
+              <a:buSzPct val="100000"/>
+              <a:buChar char="•"/>
+            </a:pPr>
+            <a:r>
+              <a:rPr lang="en-US" sz="1800" dirty="0">
+                <a:solidFill>
+                  <a:srgbClr val="000000"/>
+                </a:solidFill>
+              </a:rPr>
+              <a:t>identifies contributing factors</a:t>
+            </a:r>
+            <a:endParaRPr lang="en-US" sz="1800" dirty="0"/>
+          </a:p>
+          <a:p>
+            <a:pPr marL="342900" indent="-342900">
+              <a:lnSpc>
+                <a:spcPct val="110000"/>
+              </a:lnSpc>
+              <a:buSzPct val="100000"/>
+              <a:buChar char="•"/>
+            </a:pPr>
+            <a:r>
+              <a:rPr lang="en-US" sz="1800" dirty="0">
+                <a:solidFill>
+                  <a:srgbClr val="000000"/>
+                </a:solidFill>
+              </a:rPr>
+              <a:t>recommends operational response paths</a:t>
+            </a:r>
+            <a:endParaRPr lang="en-US" sz="1800" dirty="0"/>
+          </a:p>
+          <a:p>
+            <a:pPr marL="342900" indent="-342900">
+              <a:lnSpc>
+                <a:spcPct val="110000"/>
+              </a:lnSpc>
+              <a:buSzPct val="100000"/>
+              <a:buChar char="•"/>
+            </a:pPr>
+            <a:r>
+              <a:rPr lang="en-US" sz="1800" dirty="0">
+                <a:solidFill>
+                  <a:srgbClr val="000000"/>
+                </a:solidFill>
+              </a:rPr>
+              <a:t>incident summary</a:t>
+            </a:r>
+            <a:endParaRPr lang="en-US" sz="1800" dirty="0"/>
+          </a:p>
+          <a:p>
+            <a:pPr marL="342900" indent="-342900">
+              <a:lnSpc>
+                <a:spcPct val="110000"/>
+              </a:lnSpc>
+              <a:buSzPct val="100000"/>
+              <a:buChar char="•"/>
+            </a:pPr>
+            <a:r>
+              <a:rPr lang="en-US" sz="1800" dirty="0">
+                <a:solidFill>
+                  <a:srgbClr val="000000"/>
+                </a:solidFill>
+              </a:rPr>
+              <a:t>impacted locations / assets</a:t>
+            </a:r>
+            <a:endParaRPr lang="en-US" sz="1800" dirty="0"/>
+          </a:p>
+          <a:p>
+            <a:pPr marL="342900" indent="-342900">
+              <a:lnSpc>
+                <a:spcPct val="110000"/>
+              </a:lnSpc>
+              <a:buSzPct val="100000"/>
+              <a:buChar char="•"/>
+            </a:pPr>
+            <a:r>
+              <a:rPr lang="en-US" sz="1800" dirty="0">
+                <a:solidFill>
+                  <a:srgbClr val="000000"/>
+                </a:solidFill>
+              </a:rPr>
+              <a:t>safety implications</a:t>
+            </a:r>
+            <a:endParaRPr lang="en-US" sz="1800" dirty="0"/>
+          </a:p>
+          <a:p>
+            <a:pPr marL="342900" indent="-342900">
+              <a:lnSpc>
+                <a:spcPct val="110000"/>
+              </a:lnSpc>
+              <a:buSzPct val="100000"/>
+              <a:buChar char="•"/>
+            </a:pPr>
+            <a:r>
+              <a:rPr lang="en-US" sz="1800" dirty="0">
+                <a:solidFill>
+                  <a:srgbClr val="000000"/>
+                </a:solidFill>
+              </a:rPr>
+              <a:t>escalation recommendations</a:t>
+            </a:r>
+            <a:endParaRPr lang="en-US" sz="1800" dirty="0"/>
+          </a:p>
+          <a:p>
+            <a:pPr marL="342900" indent="-342900">
+              <a:lnSpc>
+                <a:spcPct val="110000"/>
+              </a:lnSpc>
+              <a:buSzPct val="100000"/>
+              <a:buChar char="•"/>
+            </a:pPr>
+            <a:r>
+              <a:rPr lang="en-US" sz="1800" dirty="0">
+                <a:solidFill>
+                  <a:srgbClr val="000000"/>
+                </a:solidFill>
+              </a:rPr>
+              <a:t>source references (logs / detections / images)</a:t>
             </a:r>
             <a:endParaRPr lang="en-US" sz="1800" dirty="0"/>
           </a:p>
